--- a/Homework/han_shih_report20181003.pptx
+++ b/Homework/han_shih_report20181003.pptx
@@ -6,10 +6,10 @@
     <p:sldMasterId id="2147483677" r:id="rId5"/>
   </p:sldMasterIdLst>
   <p:notesMasterIdLst>
-    <p:notesMasterId r:id="rId22"/>
+    <p:notesMasterId r:id="rId29"/>
   </p:notesMasterIdLst>
   <p:handoutMasterIdLst>
-    <p:handoutMasterId r:id="rId23"/>
+    <p:handoutMasterId r:id="rId30"/>
   </p:handoutMasterIdLst>
   <p:sldIdLst>
     <p:sldId id="423" r:id="rId6"/>
@@ -28,6 +28,13 @@
     <p:sldId id="473" r:id="rId19"/>
     <p:sldId id="475" r:id="rId20"/>
     <p:sldId id="474" r:id="rId21"/>
+    <p:sldId id="476" r:id="rId22"/>
+    <p:sldId id="477" r:id="rId23"/>
+    <p:sldId id="482" r:id="rId24"/>
+    <p:sldId id="481" r:id="rId25"/>
+    <p:sldId id="478" r:id="rId26"/>
+    <p:sldId id="479" r:id="rId27"/>
+    <p:sldId id="480" r:id="rId28"/>
   </p:sldIdLst>
   <p:sldSz cx="9144000" cy="6858000" type="screen4x3"/>
   <p:notesSz cx="6858000" cy="9144000"/>
@@ -242,7 +249,7 @@
             <a:fld id="{CC19B022-336B-4171-BCC1-46A9DAFEE313}" type="datetimeFigureOut">
               <a:rPr lang="zh-TW" altLang="en-US" smtClean="0"/>
               <a:pPr/>
-              <a:t>2018/10/9</a:t>
+              <a:t>2018/11/2</a:t>
             </a:fld>
             <a:endParaRPr lang="zh-TW" altLang="en-US"/>
           </a:p>
@@ -409,7 +416,7 @@
             <a:fld id="{C7F16BF7-8C1B-45D9-BDA1-795AE0EDBB7B}" type="datetimeFigureOut">
               <a:rPr lang="zh-TW" altLang="en-US" smtClean="0"/>
               <a:pPr/>
-              <a:t>2018/10/9</a:t>
+              <a:t>2018/11/2</a:t>
             </a:fld>
             <a:endParaRPr lang="zh-TW" altLang="en-US"/>
           </a:p>
@@ -1683,6 +1690,261 @@
 </p:notes>
 </file>
 
+<file path=ppt/notesSlides/notesSlide17.xml><?xml version="1.0" encoding="utf-8"?>
+<p:notes xmlns:a="http://schemas.openxmlformats.org/drawingml/2006/main" xmlns:r="http://schemas.openxmlformats.org/officeDocument/2006/relationships" xmlns:p="http://schemas.openxmlformats.org/presentationml/2006/main">
+  <p:cSld>
+    <p:spTree>
+      <p:nvGrpSpPr>
+        <p:cNvPr id="1" name=""/>
+        <p:cNvGrpSpPr/>
+        <p:nvPr/>
+      </p:nvGrpSpPr>
+      <p:grpSpPr>
+        <a:xfrm>
+          <a:off x="0" y="0"/>
+          <a:ext cx="0" cy="0"/>
+          <a:chOff x="0" y="0"/>
+          <a:chExt cx="0" cy="0"/>
+        </a:xfrm>
+      </p:grpSpPr>
+      <p:sp>
+        <p:nvSpPr>
+          <p:cNvPr id="2" name="投影片圖像版面配置區 1"/>
+          <p:cNvSpPr>
+            <a:spLocks noGrp="1" noRot="1" noChangeAspect="1"/>
+          </p:cNvSpPr>
+          <p:nvPr>
+            <p:ph type="sldImg"/>
+          </p:nvPr>
+        </p:nvSpPr>
+        <p:spPr/>
+      </p:sp>
+      <p:sp>
+        <p:nvSpPr>
+          <p:cNvPr id="3" name="備忘稿版面配置區 2"/>
+          <p:cNvSpPr>
+            <a:spLocks noGrp="1"/>
+          </p:cNvSpPr>
+          <p:nvPr>
+            <p:ph type="body" idx="1"/>
+          </p:nvPr>
+        </p:nvSpPr>
+        <p:spPr/>
+        <p:txBody>
+          <a:bodyPr/>
+          <a:lstStyle/>
+          <a:p>
+            <a:endParaRPr lang="zh-TW" altLang="en-US" dirty="0"/>
+          </a:p>
+        </p:txBody>
+      </p:sp>
+      <p:sp>
+        <p:nvSpPr>
+          <p:cNvPr id="4" name="投影片編號版面配置區 3"/>
+          <p:cNvSpPr>
+            <a:spLocks noGrp="1"/>
+          </p:cNvSpPr>
+          <p:nvPr>
+            <p:ph type="sldNum" sz="quarter" idx="10"/>
+          </p:nvPr>
+        </p:nvSpPr>
+        <p:spPr/>
+        <p:txBody>
+          <a:bodyPr/>
+          <a:lstStyle/>
+          <a:p>
+            <a:fld id="{7260AE3E-3476-4D7D-82A2-B36BDA3F3E1A}" type="slidenum">
+              <a:rPr lang="zh-TW" altLang="en-US" smtClean="0"/>
+              <a:pPr/>
+              <a:t>17</a:t>
+            </a:fld>
+            <a:endParaRPr lang="zh-TW" altLang="en-US"/>
+          </a:p>
+        </p:txBody>
+      </p:sp>
+    </p:spTree>
+    <p:extLst>
+      <p:ext uri="{BB962C8B-B14F-4D97-AF65-F5344CB8AC3E}">
+        <p14:creationId xmlns:p14="http://schemas.microsoft.com/office/powerpoint/2010/main" val="3076667563"/>
+      </p:ext>
+    </p:extLst>
+  </p:cSld>
+  <p:clrMapOvr>
+    <a:masterClrMapping/>
+  </p:clrMapOvr>
+</p:notes>
+</file>
+
+<file path=ppt/notesSlides/notesSlide18.xml><?xml version="1.0" encoding="utf-8"?>
+<p:notes xmlns:a="http://schemas.openxmlformats.org/drawingml/2006/main" xmlns:r="http://schemas.openxmlformats.org/officeDocument/2006/relationships" xmlns:p="http://schemas.openxmlformats.org/presentationml/2006/main">
+  <p:cSld>
+    <p:spTree>
+      <p:nvGrpSpPr>
+        <p:cNvPr id="1" name=""/>
+        <p:cNvGrpSpPr/>
+        <p:nvPr/>
+      </p:nvGrpSpPr>
+      <p:grpSpPr>
+        <a:xfrm>
+          <a:off x="0" y="0"/>
+          <a:ext cx="0" cy="0"/>
+          <a:chOff x="0" y="0"/>
+          <a:chExt cx="0" cy="0"/>
+        </a:xfrm>
+      </p:grpSpPr>
+      <p:sp>
+        <p:nvSpPr>
+          <p:cNvPr id="2" name="投影片圖像版面配置區 1"/>
+          <p:cNvSpPr>
+            <a:spLocks noGrp="1" noRot="1" noChangeAspect="1"/>
+          </p:cNvSpPr>
+          <p:nvPr>
+            <p:ph type="sldImg"/>
+          </p:nvPr>
+        </p:nvSpPr>
+        <p:spPr/>
+      </p:sp>
+      <p:sp>
+        <p:nvSpPr>
+          <p:cNvPr id="3" name="備忘稿版面配置區 2"/>
+          <p:cNvSpPr>
+            <a:spLocks noGrp="1"/>
+          </p:cNvSpPr>
+          <p:nvPr>
+            <p:ph type="body" idx="1"/>
+          </p:nvPr>
+        </p:nvSpPr>
+        <p:spPr/>
+        <p:txBody>
+          <a:bodyPr/>
+          <a:lstStyle/>
+          <a:p>
+            <a:endParaRPr lang="zh-TW" altLang="en-US" dirty="0"/>
+          </a:p>
+        </p:txBody>
+      </p:sp>
+      <p:sp>
+        <p:nvSpPr>
+          <p:cNvPr id="4" name="投影片編號版面配置區 3"/>
+          <p:cNvSpPr>
+            <a:spLocks noGrp="1"/>
+          </p:cNvSpPr>
+          <p:nvPr>
+            <p:ph type="sldNum" sz="quarter" idx="10"/>
+          </p:nvPr>
+        </p:nvSpPr>
+        <p:spPr/>
+        <p:txBody>
+          <a:bodyPr/>
+          <a:lstStyle/>
+          <a:p>
+            <a:fld id="{7260AE3E-3476-4D7D-82A2-B36BDA3F3E1A}" type="slidenum">
+              <a:rPr lang="zh-TW" altLang="en-US" smtClean="0"/>
+              <a:pPr/>
+              <a:t>18</a:t>
+            </a:fld>
+            <a:endParaRPr lang="zh-TW" altLang="en-US"/>
+          </a:p>
+        </p:txBody>
+      </p:sp>
+    </p:spTree>
+    <p:extLst>
+      <p:ext uri="{BB962C8B-B14F-4D97-AF65-F5344CB8AC3E}">
+        <p14:creationId xmlns:p14="http://schemas.microsoft.com/office/powerpoint/2010/main" val="3649989462"/>
+      </p:ext>
+    </p:extLst>
+  </p:cSld>
+  <p:clrMapOvr>
+    <a:masterClrMapping/>
+  </p:clrMapOvr>
+</p:notes>
+</file>
+
+<file path=ppt/notesSlides/notesSlide19.xml><?xml version="1.0" encoding="utf-8"?>
+<p:notes xmlns:a="http://schemas.openxmlformats.org/drawingml/2006/main" xmlns:r="http://schemas.openxmlformats.org/officeDocument/2006/relationships" xmlns:p="http://schemas.openxmlformats.org/presentationml/2006/main">
+  <p:cSld>
+    <p:spTree>
+      <p:nvGrpSpPr>
+        <p:cNvPr id="1" name=""/>
+        <p:cNvGrpSpPr/>
+        <p:nvPr/>
+      </p:nvGrpSpPr>
+      <p:grpSpPr>
+        <a:xfrm>
+          <a:off x="0" y="0"/>
+          <a:ext cx="0" cy="0"/>
+          <a:chOff x="0" y="0"/>
+          <a:chExt cx="0" cy="0"/>
+        </a:xfrm>
+      </p:grpSpPr>
+      <p:sp>
+        <p:nvSpPr>
+          <p:cNvPr id="2" name="投影片圖像版面配置區 1"/>
+          <p:cNvSpPr>
+            <a:spLocks noGrp="1" noRot="1" noChangeAspect="1"/>
+          </p:cNvSpPr>
+          <p:nvPr>
+            <p:ph type="sldImg"/>
+          </p:nvPr>
+        </p:nvSpPr>
+        <p:spPr/>
+      </p:sp>
+      <p:sp>
+        <p:nvSpPr>
+          <p:cNvPr id="3" name="備忘稿版面配置區 2"/>
+          <p:cNvSpPr>
+            <a:spLocks noGrp="1"/>
+          </p:cNvSpPr>
+          <p:nvPr>
+            <p:ph type="body" idx="1"/>
+          </p:nvPr>
+        </p:nvSpPr>
+        <p:spPr/>
+        <p:txBody>
+          <a:bodyPr/>
+          <a:lstStyle/>
+          <a:p>
+            <a:endParaRPr lang="zh-TW" altLang="en-US" dirty="0"/>
+          </a:p>
+        </p:txBody>
+      </p:sp>
+      <p:sp>
+        <p:nvSpPr>
+          <p:cNvPr id="4" name="投影片編號版面配置區 3"/>
+          <p:cNvSpPr>
+            <a:spLocks noGrp="1"/>
+          </p:cNvSpPr>
+          <p:nvPr>
+            <p:ph type="sldNum" sz="quarter" idx="10"/>
+          </p:nvPr>
+        </p:nvSpPr>
+        <p:spPr/>
+        <p:txBody>
+          <a:bodyPr/>
+          <a:lstStyle/>
+          <a:p>
+            <a:fld id="{7260AE3E-3476-4D7D-82A2-B36BDA3F3E1A}" type="slidenum">
+              <a:rPr lang="zh-TW" altLang="en-US" smtClean="0"/>
+              <a:pPr/>
+              <a:t>19</a:t>
+            </a:fld>
+            <a:endParaRPr lang="zh-TW" altLang="en-US"/>
+          </a:p>
+        </p:txBody>
+      </p:sp>
+    </p:spTree>
+    <p:extLst>
+      <p:ext uri="{BB962C8B-B14F-4D97-AF65-F5344CB8AC3E}">
+        <p14:creationId xmlns:p14="http://schemas.microsoft.com/office/powerpoint/2010/main" val="1963280421"/>
+      </p:ext>
+    </p:extLst>
+  </p:cSld>
+  <p:clrMapOvr>
+    <a:masterClrMapping/>
+  </p:clrMapOvr>
+</p:notes>
+</file>
+
 <file path=ppt/notesSlides/notesSlide2.xml><?xml version="1.0" encoding="utf-8"?>
 <p:notes xmlns:a="http://schemas.openxmlformats.org/drawingml/2006/main" xmlns:r="http://schemas.openxmlformats.org/officeDocument/2006/relationships" xmlns:p="http://schemas.openxmlformats.org/presentationml/2006/main">
   <p:cSld>
@@ -1759,6 +2021,722 @@
     <p:extLst>
       <p:ext uri="{BB962C8B-B14F-4D97-AF65-F5344CB8AC3E}">
         <p14:creationId xmlns:p14="http://schemas.microsoft.com/office/powerpoint/2010/main" val="2884256722"/>
+      </p:ext>
+    </p:extLst>
+  </p:cSld>
+  <p:clrMapOvr>
+    <a:masterClrMapping/>
+  </p:clrMapOvr>
+</p:notes>
+</file>
+
+<file path=ppt/notesSlides/notesSlide20.xml><?xml version="1.0" encoding="utf-8"?>
+<p:notes xmlns:a="http://schemas.openxmlformats.org/drawingml/2006/main" xmlns:r="http://schemas.openxmlformats.org/officeDocument/2006/relationships" xmlns:p="http://schemas.openxmlformats.org/presentationml/2006/main">
+  <p:cSld>
+    <p:spTree>
+      <p:nvGrpSpPr>
+        <p:cNvPr id="1" name=""/>
+        <p:cNvGrpSpPr/>
+        <p:nvPr/>
+      </p:nvGrpSpPr>
+      <p:grpSpPr>
+        <a:xfrm>
+          <a:off x="0" y="0"/>
+          <a:ext cx="0" cy="0"/>
+          <a:chOff x="0" y="0"/>
+          <a:chExt cx="0" cy="0"/>
+        </a:xfrm>
+      </p:grpSpPr>
+      <p:sp>
+        <p:nvSpPr>
+          <p:cNvPr id="2" name="投影片圖像版面配置區 1"/>
+          <p:cNvSpPr>
+            <a:spLocks noGrp="1" noRot="1" noChangeAspect="1"/>
+          </p:cNvSpPr>
+          <p:nvPr>
+            <p:ph type="sldImg"/>
+          </p:nvPr>
+        </p:nvSpPr>
+        <p:spPr/>
+      </p:sp>
+      <p:sp>
+        <p:nvSpPr>
+          <p:cNvPr id="3" name="備忘稿版面配置區 2"/>
+          <p:cNvSpPr>
+            <a:spLocks noGrp="1"/>
+          </p:cNvSpPr>
+          <p:nvPr>
+            <p:ph type="body" idx="1"/>
+          </p:nvPr>
+        </p:nvSpPr>
+        <p:spPr/>
+        <p:txBody>
+          <a:bodyPr/>
+          <a:lstStyle/>
+          <a:p>
+            <a:endParaRPr lang="zh-TW" altLang="en-US" dirty="0"/>
+          </a:p>
+        </p:txBody>
+      </p:sp>
+      <p:sp>
+        <p:nvSpPr>
+          <p:cNvPr id="4" name="投影片編號版面配置區 3"/>
+          <p:cNvSpPr>
+            <a:spLocks noGrp="1"/>
+          </p:cNvSpPr>
+          <p:nvPr>
+            <p:ph type="sldNum" sz="quarter" idx="10"/>
+          </p:nvPr>
+        </p:nvSpPr>
+        <p:spPr/>
+        <p:txBody>
+          <a:bodyPr/>
+          <a:lstStyle/>
+          <a:p>
+            <a:fld id="{7260AE3E-3476-4D7D-82A2-B36BDA3F3E1A}" type="slidenum">
+              <a:rPr lang="zh-TW" altLang="en-US" smtClean="0"/>
+              <a:pPr/>
+              <a:t>20</a:t>
+            </a:fld>
+            <a:endParaRPr lang="zh-TW" altLang="en-US"/>
+          </a:p>
+        </p:txBody>
+      </p:sp>
+    </p:spTree>
+    <p:extLst>
+      <p:ext uri="{BB962C8B-B14F-4D97-AF65-F5344CB8AC3E}">
+        <p14:creationId xmlns:p14="http://schemas.microsoft.com/office/powerpoint/2010/main" val="3498783791"/>
+      </p:ext>
+    </p:extLst>
+  </p:cSld>
+  <p:clrMapOvr>
+    <a:masterClrMapping/>
+  </p:clrMapOvr>
+</p:notes>
+</file>
+
+<file path=ppt/notesSlides/notesSlide21.xml><?xml version="1.0" encoding="utf-8"?>
+<p:notes xmlns:a="http://schemas.openxmlformats.org/drawingml/2006/main" xmlns:r="http://schemas.openxmlformats.org/officeDocument/2006/relationships" xmlns:p="http://schemas.openxmlformats.org/presentationml/2006/main">
+  <p:cSld>
+    <p:spTree>
+      <p:nvGrpSpPr>
+        <p:cNvPr id="1" name=""/>
+        <p:cNvGrpSpPr/>
+        <p:nvPr/>
+      </p:nvGrpSpPr>
+      <p:grpSpPr>
+        <a:xfrm>
+          <a:off x="0" y="0"/>
+          <a:ext cx="0" cy="0"/>
+          <a:chOff x="0" y="0"/>
+          <a:chExt cx="0" cy="0"/>
+        </a:xfrm>
+      </p:grpSpPr>
+      <p:sp>
+        <p:nvSpPr>
+          <p:cNvPr id="2" name="投影片圖像版面配置區 1"/>
+          <p:cNvSpPr>
+            <a:spLocks noGrp="1" noRot="1" noChangeAspect="1"/>
+          </p:cNvSpPr>
+          <p:nvPr>
+            <p:ph type="sldImg"/>
+          </p:nvPr>
+        </p:nvSpPr>
+        <p:spPr/>
+      </p:sp>
+      <p:sp>
+        <p:nvSpPr>
+          <p:cNvPr id="3" name="備忘稿版面配置區 2"/>
+          <p:cNvSpPr>
+            <a:spLocks noGrp="1"/>
+          </p:cNvSpPr>
+          <p:nvPr>
+            <p:ph type="body" idx="1"/>
+          </p:nvPr>
+        </p:nvSpPr>
+        <p:spPr/>
+        <p:txBody>
+          <a:bodyPr/>
+          <a:lstStyle/>
+          <a:p>
+            <a:endParaRPr lang="zh-TW" altLang="en-US" dirty="0"/>
+          </a:p>
+        </p:txBody>
+      </p:sp>
+      <p:sp>
+        <p:nvSpPr>
+          <p:cNvPr id="4" name="投影片編號版面配置區 3"/>
+          <p:cNvSpPr>
+            <a:spLocks noGrp="1"/>
+          </p:cNvSpPr>
+          <p:nvPr>
+            <p:ph type="sldNum" sz="quarter" idx="10"/>
+          </p:nvPr>
+        </p:nvSpPr>
+        <p:spPr/>
+        <p:txBody>
+          <a:bodyPr/>
+          <a:lstStyle/>
+          <a:p>
+            <a:fld id="{7260AE3E-3476-4D7D-82A2-B36BDA3F3E1A}" type="slidenum">
+              <a:rPr lang="zh-TW" altLang="en-US" smtClean="0"/>
+              <a:pPr/>
+              <a:t>21</a:t>
+            </a:fld>
+            <a:endParaRPr lang="zh-TW" altLang="en-US"/>
+          </a:p>
+        </p:txBody>
+      </p:sp>
+    </p:spTree>
+    <p:extLst>
+      <p:ext uri="{BB962C8B-B14F-4D97-AF65-F5344CB8AC3E}">
+        <p14:creationId xmlns:p14="http://schemas.microsoft.com/office/powerpoint/2010/main" val="1442010068"/>
+      </p:ext>
+    </p:extLst>
+  </p:cSld>
+  <p:clrMapOvr>
+    <a:masterClrMapping/>
+  </p:clrMapOvr>
+</p:notes>
+</file>
+
+<file path=ppt/notesSlides/notesSlide22.xml><?xml version="1.0" encoding="utf-8"?>
+<p:notes xmlns:a="http://schemas.openxmlformats.org/drawingml/2006/main" xmlns:r="http://schemas.openxmlformats.org/officeDocument/2006/relationships" xmlns:p="http://schemas.openxmlformats.org/presentationml/2006/main">
+  <p:cSld>
+    <p:spTree>
+      <p:nvGrpSpPr>
+        <p:cNvPr id="1" name=""/>
+        <p:cNvGrpSpPr/>
+        <p:nvPr/>
+      </p:nvGrpSpPr>
+      <p:grpSpPr>
+        <a:xfrm>
+          <a:off x="0" y="0"/>
+          <a:ext cx="0" cy="0"/>
+          <a:chOff x="0" y="0"/>
+          <a:chExt cx="0" cy="0"/>
+        </a:xfrm>
+      </p:grpSpPr>
+      <p:sp>
+        <p:nvSpPr>
+          <p:cNvPr id="2" name="投影片圖像版面配置區 1"/>
+          <p:cNvSpPr>
+            <a:spLocks noGrp="1" noRot="1" noChangeAspect="1"/>
+          </p:cNvSpPr>
+          <p:nvPr>
+            <p:ph type="sldImg"/>
+          </p:nvPr>
+        </p:nvSpPr>
+        <p:spPr/>
+      </p:sp>
+      <p:sp>
+        <p:nvSpPr>
+          <p:cNvPr id="3" name="備忘稿版面配置區 2"/>
+          <p:cNvSpPr>
+            <a:spLocks noGrp="1"/>
+          </p:cNvSpPr>
+          <p:nvPr>
+            <p:ph type="body" idx="1"/>
+          </p:nvPr>
+        </p:nvSpPr>
+        <p:spPr/>
+        <p:txBody>
+          <a:bodyPr/>
+          <a:lstStyle/>
+          <a:p>
+            <a:r>
+              <a:rPr lang="en-US" altLang="zh-TW" sz="1200" b="1" i="0" kern="1200" dirty="0" smtClean="0">
+                <a:solidFill>
+                  <a:schemeClr val="tx1"/>
+                </a:solidFill>
+                <a:effectLst/>
+                <a:latin typeface="+mn-lt"/>
+                <a:ea typeface="+mn-ea"/>
+                <a:cs typeface="+mn-cs"/>
+              </a:rPr>
+              <a:t>Deep Learning Primitives (</a:t>
+            </a:r>
+            <a:r>
+              <a:rPr lang="en-US" altLang="zh-TW" sz="1200" b="1" i="0" u="none" strike="noStrike" kern="1200" dirty="0" err="1" smtClean="0">
+                <a:solidFill>
+                  <a:schemeClr val="tx1"/>
+                </a:solidFill>
+                <a:effectLst/>
+                <a:latin typeface="+mn-lt"/>
+                <a:ea typeface="+mn-ea"/>
+                <a:cs typeface="+mn-cs"/>
+                <a:hlinkClick r:id="rId3"/>
+              </a:rPr>
+              <a:t>cuDNN</a:t>
+            </a:r>
+            <a:r>
+              <a:rPr lang="en-US" altLang="zh-TW" sz="1200" b="1" i="0" kern="1200" dirty="0" smtClean="0">
+                <a:solidFill>
+                  <a:schemeClr val="tx1"/>
+                </a:solidFill>
+                <a:effectLst/>
+                <a:latin typeface="+mn-lt"/>
+                <a:ea typeface="+mn-ea"/>
+                <a:cs typeface="+mn-cs"/>
+              </a:rPr>
+              <a:t>)</a:t>
+            </a:r>
+            <a:r>
+              <a:rPr lang="en-US" altLang="zh-TW" sz="1200" b="0" i="0" kern="1200" dirty="0" smtClean="0">
+                <a:solidFill>
+                  <a:schemeClr val="tx1"/>
+                </a:solidFill>
+                <a:effectLst/>
+                <a:latin typeface="+mn-lt"/>
+                <a:ea typeface="+mn-ea"/>
+                <a:cs typeface="+mn-cs"/>
+              </a:rPr>
+              <a:t>: High-performance building blocks for deep neural network applications including convolutions, activation functions, and tensor transformations</a:t>
+            </a:r>
+          </a:p>
+          <a:p>
+            <a:r>
+              <a:rPr lang="en-US" altLang="zh-TW" sz="1200" b="1" i="0" kern="1200" dirty="0" smtClean="0">
+                <a:solidFill>
+                  <a:schemeClr val="tx1"/>
+                </a:solidFill>
+                <a:effectLst/>
+                <a:latin typeface="+mn-lt"/>
+                <a:ea typeface="+mn-ea"/>
+                <a:cs typeface="+mn-cs"/>
+              </a:rPr>
+              <a:t>Deep Learning Inference Engine (</a:t>
+            </a:r>
+            <a:r>
+              <a:rPr lang="en-US" altLang="zh-TW" sz="1200" b="1" i="0" u="none" strike="noStrike" kern="1200" dirty="0" err="1" smtClean="0">
+                <a:solidFill>
+                  <a:schemeClr val="tx1"/>
+                </a:solidFill>
+                <a:effectLst/>
+                <a:latin typeface="+mn-lt"/>
+                <a:ea typeface="+mn-ea"/>
+                <a:cs typeface="+mn-cs"/>
+                <a:hlinkClick r:id="rId4"/>
+              </a:rPr>
+              <a:t>TensorRT</a:t>
+            </a:r>
+            <a:r>
+              <a:rPr lang="en-US" altLang="zh-TW" sz="1200" b="1" i="0" kern="1200" dirty="0" smtClean="0">
+                <a:solidFill>
+                  <a:schemeClr val="tx1"/>
+                </a:solidFill>
+                <a:effectLst/>
+                <a:latin typeface="+mn-lt"/>
+                <a:ea typeface="+mn-ea"/>
+                <a:cs typeface="+mn-cs"/>
+              </a:rPr>
+              <a:t>)</a:t>
+            </a:r>
+            <a:r>
+              <a:rPr lang="en-US" altLang="zh-TW" sz="1200" b="0" i="0" kern="1200" dirty="0" smtClean="0">
+                <a:solidFill>
+                  <a:schemeClr val="tx1"/>
+                </a:solidFill>
+                <a:effectLst/>
+                <a:latin typeface="+mn-lt"/>
+                <a:ea typeface="+mn-ea"/>
+                <a:cs typeface="+mn-cs"/>
+              </a:rPr>
+              <a:t>: High-performance deep learning inference runtime for production deployment</a:t>
+            </a:r>
+          </a:p>
+          <a:p>
+            <a:r>
+              <a:rPr lang="en-US" altLang="zh-TW" sz="1200" b="1" i="0" kern="1200" dirty="0" smtClean="0">
+                <a:solidFill>
+                  <a:schemeClr val="tx1"/>
+                </a:solidFill>
+                <a:effectLst/>
+                <a:latin typeface="+mn-lt"/>
+                <a:ea typeface="+mn-ea"/>
+                <a:cs typeface="+mn-cs"/>
+              </a:rPr>
+              <a:t>Deep Learning for Video Analytics (</a:t>
+            </a:r>
+            <a:r>
+              <a:rPr lang="en-US" altLang="zh-TW" sz="1200" b="1" i="0" u="none" strike="noStrike" kern="1200" dirty="0" err="1" smtClean="0">
+                <a:solidFill>
+                  <a:schemeClr val="tx1"/>
+                </a:solidFill>
+                <a:effectLst/>
+                <a:latin typeface="+mn-lt"/>
+                <a:ea typeface="+mn-ea"/>
+                <a:cs typeface="+mn-cs"/>
+                <a:hlinkClick r:id="rId5"/>
+              </a:rPr>
+              <a:t>DeepStream</a:t>
+            </a:r>
+            <a:r>
+              <a:rPr lang="en-US" altLang="zh-TW" sz="1200" b="1" i="0" u="none" strike="noStrike" kern="1200" dirty="0" smtClean="0">
+                <a:solidFill>
+                  <a:schemeClr val="tx1"/>
+                </a:solidFill>
+                <a:effectLst/>
+                <a:latin typeface="+mn-lt"/>
+                <a:ea typeface="+mn-ea"/>
+                <a:cs typeface="+mn-cs"/>
+                <a:hlinkClick r:id="rId5"/>
+              </a:rPr>
+              <a:t> SDK</a:t>
+            </a:r>
+            <a:r>
+              <a:rPr lang="en-US" altLang="zh-TW" sz="1200" b="1" i="0" kern="1200" dirty="0" smtClean="0">
+                <a:solidFill>
+                  <a:schemeClr val="tx1"/>
+                </a:solidFill>
+                <a:effectLst/>
+                <a:latin typeface="+mn-lt"/>
+                <a:ea typeface="+mn-ea"/>
+                <a:cs typeface="+mn-cs"/>
+              </a:rPr>
+              <a:t>)</a:t>
+            </a:r>
+            <a:r>
+              <a:rPr lang="en-US" altLang="zh-TW" sz="1200" b="0" i="0" kern="1200" dirty="0" smtClean="0">
+                <a:solidFill>
+                  <a:schemeClr val="tx1"/>
+                </a:solidFill>
+                <a:effectLst/>
+                <a:latin typeface="+mn-lt"/>
+                <a:ea typeface="+mn-ea"/>
+                <a:cs typeface="+mn-cs"/>
+              </a:rPr>
+              <a:t>: High-level C++ API and runtime for GPU-accelerated transcoding and deep learning inference</a:t>
+            </a:r>
+          </a:p>
+          <a:p>
+            <a:r>
+              <a:rPr lang="en-US" altLang="zh-TW" sz="1200" b="1" i="0" kern="1200" dirty="0" smtClean="0">
+                <a:solidFill>
+                  <a:schemeClr val="tx1"/>
+                </a:solidFill>
+                <a:effectLst/>
+                <a:latin typeface="+mn-lt"/>
+                <a:ea typeface="+mn-ea"/>
+                <a:cs typeface="+mn-cs"/>
+              </a:rPr>
+              <a:t>Linear Algebra (</a:t>
+            </a:r>
+            <a:r>
+              <a:rPr lang="en-US" altLang="zh-TW" sz="1200" b="1" i="0" u="none" strike="noStrike" kern="1200" dirty="0" err="1" smtClean="0">
+                <a:solidFill>
+                  <a:schemeClr val="tx1"/>
+                </a:solidFill>
+                <a:effectLst/>
+                <a:latin typeface="+mn-lt"/>
+                <a:ea typeface="+mn-ea"/>
+                <a:cs typeface="+mn-cs"/>
+                <a:hlinkClick r:id="rId6"/>
+              </a:rPr>
+              <a:t>cuBLAS</a:t>
+            </a:r>
+            <a:r>
+              <a:rPr lang="en-US" altLang="zh-TW" sz="1200" b="1" i="0" kern="1200" dirty="0" smtClean="0">
+                <a:solidFill>
+                  <a:schemeClr val="tx1"/>
+                </a:solidFill>
+                <a:effectLst/>
+                <a:latin typeface="+mn-lt"/>
+                <a:ea typeface="+mn-ea"/>
+                <a:cs typeface="+mn-cs"/>
+              </a:rPr>
+              <a:t>)</a:t>
+            </a:r>
+            <a:r>
+              <a:rPr lang="en-US" altLang="zh-TW" sz="1200" b="0" i="0" kern="1200" dirty="0" smtClean="0">
+                <a:solidFill>
+                  <a:schemeClr val="tx1"/>
+                </a:solidFill>
+                <a:effectLst/>
+                <a:latin typeface="+mn-lt"/>
+                <a:ea typeface="+mn-ea"/>
+                <a:cs typeface="+mn-cs"/>
+              </a:rPr>
+              <a:t>: GPU-accelerated BLAS functionality that delivers 6x to 17x faster performance than CPU-only BLAS libraries</a:t>
+            </a:r>
+          </a:p>
+          <a:p>
+            <a:r>
+              <a:rPr lang="en-US" altLang="zh-TW" sz="1200" b="1" i="0" kern="1200" dirty="0" smtClean="0">
+                <a:solidFill>
+                  <a:schemeClr val="tx1"/>
+                </a:solidFill>
+                <a:effectLst/>
+                <a:latin typeface="+mn-lt"/>
+                <a:ea typeface="+mn-ea"/>
+                <a:cs typeface="+mn-cs"/>
+              </a:rPr>
+              <a:t>Sparse Matrix Operations (</a:t>
+            </a:r>
+            <a:r>
+              <a:rPr lang="en-US" altLang="zh-TW" sz="1200" b="1" i="0" u="none" strike="noStrike" kern="1200" dirty="0" err="1" smtClean="0">
+                <a:solidFill>
+                  <a:schemeClr val="tx1"/>
+                </a:solidFill>
+                <a:effectLst/>
+                <a:latin typeface="+mn-lt"/>
+                <a:ea typeface="+mn-ea"/>
+                <a:cs typeface="+mn-cs"/>
+                <a:hlinkClick r:id="rId7"/>
+              </a:rPr>
+              <a:t>cuSPARSE</a:t>
+            </a:r>
+            <a:r>
+              <a:rPr lang="en-US" altLang="zh-TW" sz="1200" b="1" i="0" kern="1200" dirty="0" smtClean="0">
+                <a:solidFill>
+                  <a:schemeClr val="tx1"/>
+                </a:solidFill>
+                <a:effectLst/>
+                <a:latin typeface="+mn-lt"/>
+                <a:ea typeface="+mn-ea"/>
+                <a:cs typeface="+mn-cs"/>
+              </a:rPr>
+              <a:t>)</a:t>
+            </a:r>
+            <a:r>
+              <a:rPr lang="en-US" altLang="zh-TW" sz="1200" b="0" i="0" kern="1200" dirty="0" smtClean="0">
+                <a:solidFill>
+                  <a:schemeClr val="tx1"/>
+                </a:solidFill>
+                <a:effectLst/>
+                <a:latin typeface="+mn-lt"/>
+                <a:ea typeface="+mn-ea"/>
+                <a:cs typeface="+mn-cs"/>
+              </a:rPr>
+              <a:t>: GPU-accelerated linear algebra subroutines for sparse matrices that deliver up to 8x faster performance than CPU BLAS (MKL), ideal for applications such as natural language processing</a:t>
+            </a:r>
+          </a:p>
+          <a:p>
+            <a:r>
+              <a:rPr lang="en-US" altLang="zh-TW" sz="1200" b="1" i="0" kern="1200" dirty="0" smtClean="0">
+                <a:solidFill>
+                  <a:schemeClr val="tx1"/>
+                </a:solidFill>
+                <a:effectLst/>
+                <a:latin typeface="+mn-lt"/>
+                <a:ea typeface="+mn-ea"/>
+                <a:cs typeface="+mn-cs"/>
+              </a:rPr>
+              <a:t>Multi-GPU Communication (</a:t>
+            </a:r>
+            <a:r>
+              <a:rPr lang="en-US" altLang="zh-TW" sz="1200" b="1" i="0" u="none" strike="noStrike" kern="1200" dirty="0" smtClean="0">
+                <a:solidFill>
+                  <a:schemeClr val="tx1"/>
+                </a:solidFill>
+                <a:effectLst/>
+                <a:latin typeface="+mn-lt"/>
+                <a:ea typeface="+mn-ea"/>
+                <a:cs typeface="+mn-cs"/>
+                <a:hlinkClick r:id="rId8"/>
+              </a:rPr>
+              <a:t>NCCL</a:t>
+            </a:r>
+            <a:r>
+              <a:rPr lang="en-US" altLang="zh-TW" sz="1200" b="1" i="0" kern="1200" dirty="0" smtClean="0">
+                <a:solidFill>
+                  <a:schemeClr val="tx1"/>
+                </a:solidFill>
+                <a:effectLst/>
+                <a:latin typeface="+mn-lt"/>
+                <a:ea typeface="+mn-ea"/>
+                <a:cs typeface="+mn-cs"/>
+              </a:rPr>
+              <a:t>)</a:t>
+            </a:r>
+            <a:r>
+              <a:rPr lang="en-US" altLang="zh-TW" sz="1200" b="0" i="0" kern="1200" dirty="0" smtClean="0">
+                <a:solidFill>
+                  <a:schemeClr val="tx1"/>
+                </a:solidFill>
+                <a:effectLst/>
+                <a:latin typeface="+mn-lt"/>
+                <a:ea typeface="+mn-ea"/>
+                <a:cs typeface="+mn-cs"/>
+              </a:rPr>
+              <a:t>: Collective communication routines, such as all-gather, reduce, and broadcast that accelerate multi-GPU deep learning training</a:t>
+            </a:r>
+          </a:p>
+          <a:p>
+            <a:r>
+              <a:rPr lang="en-US" altLang="zh-TW" sz="1200" b="1" i="0" kern="1200" dirty="0" smtClean="0">
+                <a:solidFill>
+                  <a:schemeClr val="tx1"/>
+                </a:solidFill>
+                <a:effectLst/>
+                <a:latin typeface="+mn-lt"/>
+                <a:ea typeface="+mn-ea"/>
+                <a:cs typeface="+mn-cs"/>
+              </a:rPr>
+              <a:t>Deep Learning GPU Training System (</a:t>
+            </a:r>
+            <a:r>
+              <a:rPr lang="en-US" altLang="zh-TW" sz="1200" b="1" i="0" u="none" strike="noStrike" kern="1200" dirty="0" smtClean="0">
+                <a:solidFill>
+                  <a:schemeClr val="tx1"/>
+                </a:solidFill>
+                <a:effectLst/>
+                <a:latin typeface="+mn-lt"/>
+                <a:ea typeface="+mn-ea"/>
+                <a:cs typeface="+mn-cs"/>
+                <a:hlinkClick r:id="rId9"/>
+              </a:rPr>
+              <a:t>DIGITS</a:t>
+            </a:r>
+            <a:r>
+              <a:rPr lang="en-US" altLang="zh-TW" sz="1200" b="1" i="0" kern="1200" dirty="0" smtClean="0">
+                <a:solidFill>
+                  <a:schemeClr val="tx1"/>
+                </a:solidFill>
+                <a:effectLst/>
+                <a:latin typeface="+mn-lt"/>
+                <a:ea typeface="+mn-ea"/>
+                <a:cs typeface="+mn-cs"/>
+              </a:rPr>
+              <a:t>)</a:t>
+            </a:r>
+            <a:r>
+              <a:rPr lang="en-US" altLang="zh-TW" sz="1200" b="0" i="0" kern="1200" dirty="0" smtClean="0">
+                <a:solidFill>
+                  <a:schemeClr val="tx1"/>
+                </a:solidFill>
+                <a:effectLst/>
+                <a:latin typeface="+mn-lt"/>
+                <a:ea typeface="+mn-ea"/>
+                <a:cs typeface="+mn-cs"/>
+              </a:rPr>
+              <a:t>: Rapidly train highly accurate deep neural network (DNNs) for image classification, segmentation and object detection tasks</a:t>
+            </a:r>
+            <a:endParaRPr lang="en-US" altLang="zh-TW" sz="1200" b="0" i="0" kern="1200" dirty="0">
+              <a:solidFill>
+                <a:schemeClr val="tx1"/>
+              </a:solidFill>
+              <a:effectLst/>
+              <a:latin typeface="+mn-lt"/>
+              <a:ea typeface="+mn-ea"/>
+              <a:cs typeface="+mn-cs"/>
+            </a:endParaRPr>
+          </a:p>
+        </p:txBody>
+      </p:sp>
+      <p:sp>
+        <p:nvSpPr>
+          <p:cNvPr id="4" name="投影片編號版面配置區 3"/>
+          <p:cNvSpPr>
+            <a:spLocks noGrp="1"/>
+          </p:cNvSpPr>
+          <p:nvPr>
+            <p:ph type="sldNum" sz="quarter" idx="10"/>
+          </p:nvPr>
+        </p:nvSpPr>
+        <p:spPr/>
+        <p:txBody>
+          <a:bodyPr/>
+          <a:lstStyle/>
+          <a:p>
+            <a:fld id="{7260AE3E-3476-4D7D-82A2-B36BDA3F3E1A}" type="slidenum">
+              <a:rPr lang="zh-TW" altLang="en-US" smtClean="0"/>
+              <a:pPr/>
+              <a:t>22</a:t>
+            </a:fld>
+            <a:endParaRPr lang="zh-TW" altLang="en-US"/>
+          </a:p>
+        </p:txBody>
+      </p:sp>
+    </p:spTree>
+    <p:extLst>
+      <p:ext uri="{BB962C8B-B14F-4D97-AF65-F5344CB8AC3E}">
+        <p14:creationId xmlns:p14="http://schemas.microsoft.com/office/powerpoint/2010/main" val="1141709882"/>
+      </p:ext>
+    </p:extLst>
+  </p:cSld>
+  <p:clrMapOvr>
+    <a:masterClrMapping/>
+  </p:clrMapOvr>
+</p:notes>
+</file>
+
+<file path=ppt/notesSlides/notesSlide23.xml><?xml version="1.0" encoding="utf-8"?>
+<p:notes xmlns:a="http://schemas.openxmlformats.org/drawingml/2006/main" xmlns:r="http://schemas.openxmlformats.org/officeDocument/2006/relationships" xmlns:p="http://schemas.openxmlformats.org/presentationml/2006/main">
+  <p:cSld>
+    <p:spTree>
+      <p:nvGrpSpPr>
+        <p:cNvPr id="1" name=""/>
+        <p:cNvGrpSpPr/>
+        <p:nvPr/>
+      </p:nvGrpSpPr>
+      <p:grpSpPr>
+        <a:xfrm>
+          <a:off x="0" y="0"/>
+          <a:ext cx="0" cy="0"/>
+          <a:chOff x="0" y="0"/>
+          <a:chExt cx="0" cy="0"/>
+        </a:xfrm>
+      </p:grpSpPr>
+      <p:sp>
+        <p:nvSpPr>
+          <p:cNvPr id="2" name="投影片圖像版面配置區 1"/>
+          <p:cNvSpPr>
+            <a:spLocks noGrp="1" noRot="1" noChangeAspect="1"/>
+          </p:cNvSpPr>
+          <p:nvPr>
+            <p:ph type="sldImg"/>
+          </p:nvPr>
+        </p:nvSpPr>
+        <p:spPr/>
+      </p:sp>
+      <p:sp>
+        <p:nvSpPr>
+          <p:cNvPr id="3" name="備忘稿版面配置區 2"/>
+          <p:cNvSpPr>
+            <a:spLocks noGrp="1"/>
+          </p:cNvSpPr>
+          <p:nvPr>
+            <p:ph type="body" idx="1"/>
+          </p:nvPr>
+        </p:nvSpPr>
+        <p:spPr/>
+        <p:txBody>
+          <a:bodyPr/>
+          <a:lstStyle/>
+          <a:p>
+            <a:endParaRPr lang="zh-TW" altLang="en-US" dirty="0"/>
+          </a:p>
+        </p:txBody>
+      </p:sp>
+      <p:sp>
+        <p:nvSpPr>
+          <p:cNvPr id="4" name="投影片編號版面配置區 3"/>
+          <p:cNvSpPr>
+            <a:spLocks noGrp="1"/>
+          </p:cNvSpPr>
+          <p:nvPr>
+            <p:ph type="sldNum" sz="quarter" idx="10"/>
+          </p:nvPr>
+        </p:nvSpPr>
+        <p:spPr/>
+        <p:txBody>
+          <a:bodyPr/>
+          <a:lstStyle/>
+          <a:p>
+            <a:fld id="{7260AE3E-3476-4D7D-82A2-B36BDA3F3E1A}" type="slidenum">
+              <a:rPr lang="zh-TW" altLang="en-US" smtClean="0"/>
+              <a:pPr/>
+              <a:t>23</a:t>
+            </a:fld>
+            <a:endParaRPr lang="zh-TW" altLang="en-US"/>
+          </a:p>
+        </p:txBody>
+      </p:sp>
+    </p:spTree>
+    <p:extLst>
+      <p:ext uri="{BB962C8B-B14F-4D97-AF65-F5344CB8AC3E}">
+        <p14:creationId xmlns:p14="http://schemas.microsoft.com/office/powerpoint/2010/main" val="3493513192"/>
       </p:ext>
     </p:extLst>
   </p:cSld>
@@ -11280,7 +12258,15 @@
           <a:p>
             <a:r>
               <a:rPr lang="en-US" altLang="zh-TW" dirty="0" smtClean="0"/>
-              <a:t>Appendix - pricing </a:t>
+              <a:t>Appendix - </a:t>
+            </a:r>
+            <a:r>
+              <a:rPr lang="en-US" altLang="zh-TW" dirty="0"/>
+              <a:t>Google Cloud </a:t>
+            </a:r>
+            <a:r>
+              <a:rPr lang="en-US" altLang="zh-TW" dirty="0" smtClean="0"/>
+              <a:t>ML Engine</a:t>
             </a:r>
             <a:endParaRPr lang="en-US" altLang="zh-TW" dirty="0"/>
           </a:p>
@@ -11409,10 +12395,9 @@
           <a:lstStyle/>
           <a:p>
             <a:r>
-              <a:rPr lang="en-US" altLang="zh-TW" dirty="0" smtClean="0"/>
-              <a:t>Appendix - pricing </a:t>
-            </a:r>
-            <a:endParaRPr lang="en-US" altLang="zh-TW" dirty="0"/>
+              <a:rPr lang="en-US" altLang="zh-TW" dirty="0"/>
+              <a:t>Appendix - Google Cloud ML Engine</a:t>
+            </a:r>
           </a:p>
         </p:txBody>
       </p:sp>
@@ -11608,10 +12593,9 @@
           <a:lstStyle/>
           <a:p>
             <a:r>
-              <a:rPr lang="en-US" altLang="zh-TW" dirty="0" smtClean="0"/>
-              <a:t>Appendix - pricing </a:t>
-            </a:r>
-            <a:endParaRPr lang="en-US" altLang="zh-TW" dirty="0"/>
+              <a:rPr lang="en-US" altLang="zh-TW" dirty="0"/>
+              <a:t>Appendix - Google Cloud ML Engine</a:t>
+            </a:r>
           </a:p>
         </p:txBody>
       </p:sp>
@@ -11857,7 +12841,6 @@
               <a:rPr lang="en-US" dirty="0" smtClean="0"/>
               <a:t>Disk usage</a:t>
             </a:r>
-            <a:endParaRPr lang="en-US" dirty="0" smtClean="0"/>
           </a:p>
           <a:p>
             <a:endParaRPr lang="en-US" dirty="0"/>
@@ -11868,6 +12851,1601 @@
     <p:extLst>
       <p:ext uri="{BB962C8B-B14F-4D97-AF65-F5344CB8AC3E}">
         <p14:creationId xmlns:p14="http://schemas.microsoft.com/office/powerpoint/2010/main" val="3849878786"/>
+      </p:ext>
+    </p:extLst>
+  </p:cSld>
+  <p:clrMapOvr>
+    <a:masterClrMapping/>
+  </p:clrMapOvr>
+  <p:timing>
+    <p:tnLst>
+      <p:par>
+        <p:cTn id="1" dur="indefinite" restart="never" nodeType="tmRoot"/>
+      </p:par>
+    </p:tnLst>
+  </p:timing>
+</p:sld>
+</file>
+
+<file path=ppt/slides/slide17.xml><?xml version="1.0" encoding="utf-8"?>
+<p:sld xmlns:a="http://schemas.openxmlformats.org/drawingml/2006/main" xmlns:r="http://schemas.openxmlformats.org/officeDocument/2006/relationships" xmlns:p="http://schemas.openxmlformats.org/presentationml/2006/main">
+  <p:cSld>
+    <p:spTree>
+      <p:nvGrpSpPr>
+        <p:cNvPr id="1" name=""/>
+        <p:cNvGrpSpPr/>
+        <p:nvPr/>
+      </p:nvGrpSpPr>
+      <p:grpSpPr>
+        <a:xfrm>
+          <a:off x="0" y="0"/>
+          <a:ext cx="0" cy="0"/>
+          <a:chOff x="0" y="0"/>
+          <a:chExt cx="0" cy="0"/>
+        </a:xfrm>
+      </p:grpSpPr>
+      <p:sp>
+        <p:nvSpPr>
+          <p:cNvPr id="2" name="標題 1"/>
+          <p:cNvSpPr>
+            <a:spLocks noGrp="1"/>
+          </p:cNvSpPr>
+          <p:nvPr>
+            <p:ph type="title"/>
+          </p:nvPr>
+        </p:nvSpPr>
+        <p:spPr/>
+        <p:txBody>
+          <a:bodyPr/>
+          <a:lstStyle/>
+          <a:p>
+            <a:r>
+              <a:rPr lang="en-US" altLang="zh-TW" sz="3200" dirty="0"/>
+              <a:t>Appendix - Google Cloud C</a:t>
+            </a:r>
+            <a:r>
+              <a:rPr lang="en-US" altLang="zh-TW" sz="3200" dirty="0" smtClean="0"/>
+              <a:t>ompute </a:t>
+            </a:r>
+            <a:r>
+              <a:rPr lang="en-US" altLang="zh-TW" sz="3200" dirty="0"/>
+              <a:t>Engine</a:t>
+            </a:r>
+          </a:p>
+        </p:txBody>
+      </p:sp>
+      <p:sp>
+        <p:nvSpPr>
+          <p:cNvPr id="3" name="內容版面配置區 2"/>
+          <p:cNvSpPr>
+            <a:spLocks noGrp="1"/>
+          </p:cNvSpPr>
+          <p:nvPr>
+            <p:ph idx="1"/>
+          </p:nvPr>
+        </p:nvSpPr>
+        <p:spPr/>
+        <p:txBody>
+          <a:bodyPr/>
+          <a:lstStyle/>
+          <a:p>
+            <a:r>
+              <a:rPr lang="en-US" altLang="zh-TW" dirty="0" smtClean="0"/>
+              <a:t>Google Cloud Compute </a:t>
+            </a:r>
+            <a:br>
+              <a:rPr lang="en-US" altLang="zh-TW" dirty="0" smtClean="0"/>
+            </a:br>
+            <a:r>
+              <a:rPr lang="en-US" altLang="zh-TW" dirty="0" smtClean="0"/>
+              <a:t>Engine</a:t>
+            </a:r>
+          </a:p>
+          <a:p>
+            <a:pPr lvl="1"/>
+            <a:r>
+              <a:rPr lang="en-US" altLang="zh-TW" dirty="0" smtClean="0"/>
+              <a:t>8 CPU</a:t>
+            </a:r>
+          </a:p>
+          <a:p>
+            <a:pPr lvl="1"/>
+            <a:r>
+              <a:rPr lang="en-US" altLang="zh-TW" dirty="0" smtClean="0"/>
+              <a:t>52G RAM</a:t>
+            </a:r>
+          </a:p>
+          <a:p>
+            <a:pPr lvl="1"/>
+            <a:r>
+              <a:rPr lang="en-US" altLang="zh-TW" dirty="0" smtClean="0"/>
+              <a:t>TESLA K80 *1</a:t>
+            </a:r>
+          </a:p>
+          <a:p>
+            <a:pPr lvl="1"/>
+            <a:endParaRPr lang="en-US" altLang="zh-TW" dirty="0" smtClean="0"/>
+          </a:p>
+          <a:p>
+            <a:endParaRPr lang="en-US" dirty="0"/>
+          </a:p>
+        </p:txBody>
+      </p:sp>
+      <p:pic>
+        <p:nvPicPr>
+          <p:cNvPr id="4" name="圖片 3"/>
+          <p:cNvPicPr>
+            <a:picLocks noChangeAspect="1"/>
+          </p:cNvPicPr>
+          <p:nvPr/>
+        </p:nvPicPr>
+        <p:blipFill>
+          <a:blip r:embed="rId3">
+            <a:extLst>
+              <a:ext uri="{28A0092B-C50C-407E-A947-70E740481C1C}">
+                <a14:useLocalDpi xmlns:a14="http://schemas.microsoft.com/office/drawing/2010/main" val="0"/>
+              </a:ext>
+            </a:extLst>
+          </a:blip>
+          <a:stretch>
+            <a:fillRect/>
+          </a:stretch>
+        </p:blipFill>
+        <p:spPr>
+          <a:xfrm>
+            <a:off x="5116961" y="1159523"/>
+            <a:ext cx="4027039" cy="5698477"/>
+          </a:xfrm>
+          <a:prstGeom prst="rect">
+            <a:avLst/>
+          </a:prstGeom>
+        </p:spPr>
+      </p:pic>
+    </p:spTree>
+    <p:extLst>
+      <p:ext uri="{BB962C8B-B14F-4D97-AF65-F5344CB8AC3E}">
+        <p14:creationId xmlns:p14="http://schemas.microsoft.com/office/powerpoint/2010/main" val="2692776618"/>
+      </p:ext>
+    </p:extLst>
+  </p:cSld>
+  <p:clrMapOvr>
+    <a:masterClrMapping/>
+  </p:clrMapOvr>
+  <p:timing>
+    <p:tnLst>
+      <p:par>
+        <p:cTn id="1" dur="indefinite" restart="never" nodeType="tmRoot"/>
+      </p:par>
+    </p:tnLst>
+  </p:timing>
+</p:sld>
+</file>
+
+<file path=ppt/slides/slide18.xml><?xml version="1.0" encoding="utf-8"?>
+<p:sld xmlns:a="http://schemas.openxmlformats.org/drawingml/2006/main" xmlns:r="http://schemas.openxmlformats.org/officeDocument/2006/relationships" xmlns:p="http://schemas.openxmlformats.org/presentationml/2006/main">
+  <p:cSld>
+    <p:spTree>
+      <p:nvGrpSpPr>
+        <p:cNvPr id="1" name=""/>
+        <p:cNvGrpSpPr/>
+        <p:nvPr/>
+      </p:nvGrpSpPr>
+      <p:grpSpPr>
+        <a:xfrm>
+          <a:off x="0" y="0"/>
+          <a:ext cx="0" cy="0"/>
+          <a:chOff x="0" y="0"/>
+          <a:chExt cx="0" cy="0"/>
+        </a:xfrm>
+      </p:grpSpPr>
+      <p:sp>
+        <p:nvSpPr>
+          <p:cNvPr id="2" name="標題 1"/>
+          <p:cNvSpPr>
+            <a:spLocks noGrp="1"/>
+          </p:cNvSpPr>
+          <p:nvPr>
+            <p:ph type="title"/>
+          </p:nvPr>
+        </p:nvSpPr>
+        <p:spPr/>
+        <p:txBody>
+          <a:bodyPr/>
+          <a:lstStyle/>
+          <a:p>
+            <a:r>
+              <a:rPr lang="en-US" altLang="zh-TW" sz="3200" dirty="0"/>
+              <a:t>Appendix </a:t>
+            </a:r>
+            <a:r>
+              <a:rPr lang="en-US" altLang="zh-TW" sz="3200" dirty="0" smtClean="0"/>
+              <a:t>– Azure VM with GPU</a:t>
+            </a:r>
+            <a:endParaRPr lang="en-US" altLang="zh-TW" sz="3200" dirty="0"/>
+          </a:p>
+        </p:txBody>
+      </p:sp>
+      <p:sp>
+        <p:nvSpPr>
+          <p:cNvPr id="3" name="內容版面配置區 2"/>
+          <p:cNvSpPr>
+            <a:spLocks noGrp="1"/>
+          </p:cNvSpPr>
+          <p:nvPr>
+            <p:ph idx="1"/>
+          </p:nvPr>
+        </p:nvSpPr>
+        <p:spPr/>
+        <p:txBody>
+          <a:bodyPr/>
+          <a:lstStyle/>
+          <a:p>
+            <a:r>
+              <a:rPr lang="en-US" altLang="zh-TW" dirty="0" smtClean="0"/>
+              <a:t>Google Cloud Compute </a:t>
+            </a:r>
+            <a:br>
+              <a:rPr lang="en-US" altLang="zh-TW" dirty="0" smtClean="0"/>
+            </a:br>
+            <a:r>
+              <a:rPr lang="en-US" altLang="zh-TW" dirty="0" smtClean="0"/>
+              <a:t>Engine</a:t>
+            </a:r>
+          </a:p>
+          <a:p>
+            <a:pPr lvl="1"/>
+            <a:r>
+              <a:rPr lang="en-US" altLang="zh-TW" dirty="0" smtClean="0"/>
+              <a:t>8 CPU</a:t>
+            </a:r>
+          </a:p>
+          <a:p>
+            <a:pPr lvl="1"/>
+            <a:r>
+              <a:rPr lang="en-US" altLang="zh-TW" dirty="0" smtClean="0"/>
+              <a:t>52G RAM</a:t>
+            </a:r>
+          </a:p>
+          <a:p>
+            <a:pPr lvl="1"/>
+            <a:r>
+              <a:rPr lang="en-US" altLang="zh-TW" dirty="0" smtClean="0"/>
+              <a:t>TESLA K80 *1</a:t>
+            </a:r>
+          </a:p>
+          <a:p>
+            <a:pPr lvl="1"/>
+            <a:endParaRPr lang="en-US" altLang="zh-TW" dirty="0" smtClean="0"/>
+          </a:p>
+          <a:p>
+            <a:endParaRPr lang="en-US" dirty="0"/>
+          </a:p>
+        </p:txBody>
+      </p:sp>
+      <p:pic>
+        <p:nvPicPr>
+          <p:cNvPr id="5" name="圖片 4"/>
+          <p:cNvPicPr>
+            <a:picLocks noChangeAspect="1"/>
+          </p:cNvPicPr>
+          <p:nvPr/>
+        </p:nvPicPr>
+        <p:blipFill>
+          <a:blip r:embed="rId3">
+            <a:extLst>
+              <a:ext uri="{28A0092B-C50C-407E-A947-70E740481C1C}">
+                <a14:useLocalDpi xmlns:a14="http://schemas.microsoft.com/office/drawing/2010/main" val="0"/>
+              </a:ext>
+            </a:extLst>
+          </a:blip>
+          <a:stretch>
+            <a:fillRect/>
+          </a:stretch>
+        </p:blipFill>
+        <p:spPr>
+          <a:xfrm>
+            <a:off x="415637" y="1124744"/>
+            <a:ext cx="8312727" cy="5147755"/>
+          </a:xfrm>
+          <a:prstGeom prst="rect">
+            <a:avLst/>
+          </a:prstGeom>
+        </p:spPr>
+      </p:pic>
+    </p:spTree>
+    <p:extLst>
+      <p:ext uri="{BB962C8B-B14F-4D97-AF65-F5344CB8AC3E}">
+        <p14:creationId xmlns:p14="http://schemas.microsoft.com/office/powerpoint/2010/main" val="2891277987"/>
+      </p:ext>
+    </p:extLst>
+  </p:cSld>
+  <p:clrMapOvr>
+    <a:masterClrMapping/>
+  </p:clrMapOvr>
+  <p:timing>
+    <p:tnLst>
+      <p:par>
+        <p:cTn id="1" dur="indefinite" restart="never" nodeType="tmRoot"/>
+      </p:par>
+    </p:tnLst>
+  </p:timing>
+</p:sld>
+</file>
+
+<file path=ppt/slides/slide19.xml><?xml version="1.0" encoding="utf-8"?>
+<p:sld xmlns:a="http://schemas.openxmlformats.org/drawingml/2006/main" xmlns:r="http://schemas.openxmlformats.org/officeDocument/2006/relationships" xmlns:p="http://schemas.openxmlformats.org/presentationml/2006/main">
+  <p:cSld>
+    <p:spTree>
+      <p:nvGrpSpPr>
+        <p:cNvPr id="1" name=""/>
+        <p:cNvGrpSpPr/>
+        <p:nvPr/>
+      </p:nvGrpSpPr>
+      <p:grpSpPr>
+        <a:xfrm>
+          <a:off x="0" y="0"/>
+          <a:ext cx="0" cy="0"/>
+          <a:chOff x="0" y="0"/>
+          <a:chExt cx="0" cy="0"/>
+        </a:xfrm>
+      </p:grpSpPr>
+      <p:sp>
+        <p:nvSpPr>
+          <p:cNvPr id="2" name="標題 1"/>
+          <p:cNvSpPr>
+            <a:spLocks noGrp="1"/>
+          </p:cNvSpPr>
+          <p:nvPr>
+            <p:ph type="title"/>
+          </p:nvPr>
+        </p:nvSpPr>
+        <p:spPr/>
+        <p:txBody>
+          <a:bodyPr/>
+          <a:lstStyle/>
+          <a:p>
+            <a:r>
+              <a:rPr lang="en-US" altLang="zh-TW" sz="3200" dirty="0"/>
+              <a:t>Appendix </a:t>
+            </a:r>
+            <a:r>
+              <a:rPr lang="en-US" altLang="zh-TW" sz="3200" dirty="0" smtClean="0"/>
+              <a:t>– </a:t>
+            </a:r>
+            <a:r>
+              <a:rPr lang="en-US" altLang="zh-TW" sz="3200" dirty="0"/>
+              <a:t>GPU comparison</a:t>
+            </a:r>
+          </a:p>
+        </p:txBody>
+      </p:sp>
+      <p:sp>
+        <p:nvSpPr>
+          <p:cNvPr id="3" name="內容版面配置區 2"/>
+          <p:cNvSpPr>
+            <a:spLocks noGrp="1"/>
+          </p:cNvSpPr>
+          <p:nvPr>
+            <p:ph idx="1"/>
+          </p:nvPr>
+        </p:nvSpPr>
+        <p:spPr/>
+        <p:txBody>
+          <a:bodyPr/>
+          <a:lstStyle/>
+          <a:p>
+            <a:r>
+              <a:rPr lang="en-US" altLang="zh-TW" dirty="0" smtClean="0"/>
+              <a:t>123</a:t>
+            </a:r>
+          </a:p>
+          <a:p>
+            <a:endParaRPr lang="en-US" dirty="0"/>
+          </a:p>
+        </p:txBody>
+      </p:sp>
+      <p:graphicFrame>
+        <p:nvGraphicFramePr>
+          <p:cNvPr id="7" name="Content Placeholder 3"/>
+          <p:cNvGraphicFramePr>
+            <a:graphicFrameLocks/>
+          </p:cNvGraphicFramePr>
+          <p:nvPr>
+            <p:extLst>
+              <p:ext uri="{D42A27DB-BD31-4B8C-83A1-F6EECF244321}">
+                <p14:modId xmlns:p14="http://schemas.microsoft.com/office/powerpoint/2010/main" val="2580855429"/>
+              </p:ext>
+            </p:extLst>
+          </p:nvPr>
+        </p:nvGraphicFramePr>
+        <p:xfrm>
+          <a:off x="179512" y="1052736"/>
+          <a:ext cx="8784976" cy="4980152"/>
+        </p:xfrm>
+        <a:graphic>
+          <a:graphicData uri="http://schemas.openxmlformats.org/drawingml/2006/table">
+            <a:tbl>
+              <a:tblPr firstRow="1" bandRow="1">
+                <a:tableStyleId>{5C22544A-7EE6-4342-B048-85BDC9FD1C3A}</a:tableStyleId>
+              </a:tblPr>
+              <a:tblGrid>
+                <a:gridCol w="2088232">
+                  <a:extLst>
+                    <a:ext uri="{9D8B030D-6E8A-4147-A177-3AD203B41FA5}">
+                      <a16:colId xmlns:a16="http://schemas.microsoft.com/office/drawing/2014/main" val="20000"/>
+                    </a:ext>
+                  </a:extLst>
+                </a:gridCol>
+                <a:gridCol w="2088232">
+                  <a:extLst>
+                    <a:ext uri="{9D8B030D-6E8A-4147-A177-3AD203B41FA5}">
+                      <a16:colId xmlns:a16="http://schemas.microsoft.com/office/drawing/2014/main" val="20001"/>
+                    </a:ext>
+                  </a:extLst>
+                </a:gridCol>
+                <a:gridCol w="2232248">
+                  <a:extLst>
+                    <a:ext uri="{9D8B030D-6E8A-4147-A177-3AD203B41FA5}">
+                      <a16:colId xmlns:a16="http://schemas.microsoft.com/office/drawing/2014/main" val="20002"/>
+                    </a:ext>
+                  </a:extLst>
+                </a:gridCol>
+                <a:gridCol w="2376264">
+                  <a:extLst>
+                    <a:ext uri="{9D8B030D-6E8A-4147-A177-3AD203B41FA5}">
+                      <a16:colId xmlns:a16="http://schemas.microsoft.com/office/drawing/2014/main" val="20003"/>
+                    </a:ext>
+                  </a:extLst>
+                </a:gridCol>
+              </a:tblGrid>
+              <a:tr h="381577">
+                <a:tc>
+                  <a:txBody>
+                    <a:bodyPr/>
+                    <a:lstStyle/>
+                    <a:p>
+                      <a:pPr>
+                        <a:buNone/>
+                      </a:pPr>
+                      <a:endParaRPr lang="en-US" sz="1800"/>
+                    </a:p>
+                  </a:txBody>
+                  <a:tcPr marT="45713" marB="45713"/>
+                </a:tc>
+                <a:tc>
+                  <a:txBody>
+                    <a:bodyPr/>
+                    <a:lstStyle/>
+                    <a:p>
+                      <a:pPr>
+                        <a:buNone/>
+                      </a:pPr>
+                      <a:r>
+                        <a:rPr lang="en-US" altLang="en-US" sz="1800"/>
+                        <a:t>3D Mark 戰鬥力</a:t>
+                      </a:r>
+                    </a:p>
+                  </a:txBody>
+                  <a:tcPr marT="45713" marB="45713"/>
+                </a:tc>
+                <a:tc>
+                  <a:txBody>
+                    <a:bodyPr/>
+                    <a:lstStyle/>
+                    <a:p>
+                      <a:pPr>
+                        <a:buNone/>
+                      </a:pPr>
+                      <a:r>
+                        <a:rPr lang="en-US" altLang="en-US" sz="1800"/>
+                        <a:t>價格(NTD)</a:t>
+                      </a:r>
+                    </a:p>
+                  </a:txBody>
+                  <a:tcPr marT="45713" marB="45713"/>
+                </a:tc>
+                <a:tc>
+                  <a:txBody>
+                    <a:bodyPr/>
+                    <a:lstStyle/>
+                    <a:p>
+                      <a:pPr>
+                        <a:buNone/>
+                      </a:pPr>
+                      <a:r>
+                        <a:rPr lang="en-US" altLang="en-US" sz="1800" dirty="0"/>
+                        <a:t>C/</a:t>
+                      </a:r>
+                      <a:r>
+                        <a:rPr lang="en-US" altLang="en-US" sz="1800" dirty="0" err="1"/>
+                        <a:t>P值</a:t>
+                      </a:r>
+                      <a:r>
+                        <a:rPr lang="en-US" altLang="en-US" sz="1800" dirty="0"/>
+                        <a:t>(</a:t>
+                      </a:r>
+                      <a:r>
+                        <a:rPr lang="en-US" altLang="en-US" sz="1800" dirty="0" err="1"/>
+                        <a:t>越高越好</a:t>
+                      </a:r>
+                      <a:r>
+                        <a:rPr lang="en-US" altLang="en-US" sz="1800" dirty="0"/>
+                        <a:t>)</a:t>
+                      </a:r>
+                    </a:p>
+                  </a:txBody>
+                  <a:tcPr marT="45713" marB="45713"/>
+                </a:tc>
+                <a:extLst>
+                  <a:ext uri="{0D108BD9-81ED-4DB2-BD59-A6C34878D82A}">
+                    <a16:rowId xmlns:a16="http://schemas.microsoft.com/office/drawing/2014/main" val="10000"/>
+                  </a:ext>
+                </a:extLst>
+              </a:tr>
+              <a:tr h="380942">
+                <a:tc>
+                  <a:txBody>
+                    <a:bodyPr/>
+                    <a:lstStyle/>
+                    <a:p>
+                      <a:pPr>
+                        <a:buNone/>
+                      </a:pPr>
+                      <a:r>
+                        <a:rPr lang="en-US" sz="1800" dirty="0" smtClean="0"/>
+                        <a:t>GTX TITAN </a:t>
+                      </a:r>
+                      <a:r>
+                        <a:rPr lang="en-US" sz="1800" dirty="0"/>
+                        <a:t>X</a:t>
+                      </a:r>
+                    </a:p>
+                  </a:txBody>
+                  <a:tcPr marT="45713" marB="45713"/>
+                </a:tc>
+                <a:tc>
+                  <a:txBody>
+                    <a:bodyPr/>
+                    <a:lstStyle/>
+                    <a:p>
+                      <a:pPr>
+                        <a:buNone/>
+                      </a:pPr>
+                      <a:r>
+                        <a:rPr lang="en-US" sz="1800"/>
+                        <a:t>13484</a:t>
+                      </a:r>
+                    </a:p>
+                  </a:txBody>
+                  <a:tcPr marT="45713" marB="45713"/>
+                </a:tc>
+                <a:tc>
+                  <a:txBody>
+                    <a:bodyPr/>
+                    <a:lstStyle/>
+                    <a:p>
+                      <a:pPr>
+                        <a:buNone/>
+                      </a:pPr>
+                      <a:r>
+                        <a:rPr lang="en-US" sz="1800"/>
+                        <a:t>36,936</a:t>
+                      </a:r>
+                    </a:p>
+                  </a:txBody>
+                  <a:tcPr marT="45713" marB="45713"/>
+                </a:tc>
+                <a:tc>
+                  <a:txBody>
+                    <a:bodyPr/>
+                    <a:lstStyle/>
+                    <a:p>
+                      <a:pPr>
+                        <a:buNone/>
+                      </a:pPr>
+                      <a:r>
+                        <a:rPr lang="en-US" altLang="en-US" sz="1800"/>
+                        <a:t>36</a:t>
+                      </a:r>
+                      <a:r>
+                        <a:rPr lang="" altLang="en-US" sz="1800"/>
+                        <a:t>.50%</a:t>
+                      </a:r>
+                    </a:p>
+                  </a:txBody>
+                  <a:tcPr marT="45713" marB="45713"/>
+                </a:tc>
+                <a:extLst>
+                  <a:ext uri="{0D108BD9-81ED-4DB2-BD59-A6C34878D82A}">
+                    <a16:rowId xmlns:a16="http://schemas.microsoft.com/office/drawing/2014/main" val="10001"/>
+                  </a:ext>
+                </a:extLst>
+              </a:tr>
+              <a:tr h="380942">
+                <a:tc>
+                  <a:txBody>
+                    <a:bodyPr/>
+                    <a:lstStyle/>
+                    <a:p>
+                      <a:pPr>
+                        <a:buNone/>
+                      </a:pPr>
+                      <a:r>
+                        <a:rPr lang="en-US" sz="1800"/>
+                        <a:t>GTX 1080 Ti</a:t>
+                      </a:r>
+                    </a:p>
+                  </a:txBody>
+                  <a:tcPr marT="45713" marB="45713"/>
+                </a:tc>
+                <a:tc>
+                  <a:txBody>
+                    <a:bodyPr/>
+                    <a:lstStyle/>
+                    <a:p>
+                      <a:pPr>
+                        <a:buNone/>
+                      </a:pPr>
+                      <a:r>
+                        <a:rPr lang="en-US" sz="1800"/>
+                        <a:t>14092</a:t>
+                      </a:r>
+                    </a:p>
+                  </a:txBody>
+                  <a:tcPr marT="45713" marB="45713"/>
+                </a:tc>
+                <a:tc>
+                  <a:txBody>
+                    <a:bodyPr/>
+                    <a:lstStyle/>
+                    <a:p>
+                      <a:pPr>
+                        <a:buNone/>
+                      </a:pPr>
+                      <a:r>
+                        <a:rPr lang="en-US" sz="1800"/>
+                        <a:t>21,853</a:t>
+                      </a:r>
+                    </a:p>
+                  </a:txBody>
+                  <a:tcPr marT="45713" marB="45713"/>
+                </a:tc>
+                <a:tc>
+                  <a:txBody>
+                    <a:bodyPr/>
+                    <a:lstStyle/>
+                    <a:p>
+                      <a:pPr>
+                        <a:buNone/>
+                      </a:pPr>
+                      <a:r>
+                        <a:rPr lang="en-US" altLang="en-US" sz="1800"/>
+                        <a:t>64</a:t>
+                      </a:r>
+                      <a:r>
+                        <a:rPr lang="" altLang="en-US" sz="1800"/>
+                        <a:t>.</a:t>
+                      </a:r>
+                      <a:r>
+                        <a:rPr lang="en-US" altLang="en-US" sz="1800"/>
+                        <a:t>48</a:t>
+                      </a:r>
+                      <a:r>
+                        <a:rPr lang="" altLang="en-US" sz="1800"/>
+                        <a:t>%</a:t>
+                      </a:r>
+                    </a:p>
+                  </a:txBody>
+                  <a:tcPr marT="45713" marB="45713"/>
+                </a:tc>
+                <a:extLst>
+                  <a:ext uri="{0D108BD9-81ED-4DB2-BD59-A6C34878D82A}">
+                    <a16:rowId xmlns:a16="http://schemas.microsoft.com/office/drawing/2014/main" val="10002"/>
+                  </a:ext>
+                </a:extLst>
+              </a:tr>
+              <a:tr h="380942">
+                <a:tc>
+                  <a:txBody>
+                    <a:bodyPr/>
+                    <a:lstStyle/>
+                    <a:p>
+                      <a:pPr>
+                        <a:buNone/>
+                      </a:pPr>
+                      <a:r>
+                        <a:rPr lang="en-US" sz="1800"/>
+                        <a:t>GTX 1080</a:t>
+                      </a:r>
+                    </a:p>
+                  </a:txBody>
+                  <a:tcPr marT="45713" marB="45713"/>
+                </a:tc>
+                <a:tc>
+                  <a:txBody>
+                    <a:bodyPr/>
+                    <a:lstStyle/>
+                    <a:p>
+                      <a:pPr>
+                        <a:buNone/>
+                      </a:pPr>
+                      <a:r>
+                        <a:rPr lang="en-US" sz="1800"/>
+                        <a:t>12324</a:t>
+                      </a:r>
+                    </a:p>
+                  </a:txBody>
+                  <a:tcPr marT="45713" marB="45713"/>
+                </a:tc>
+                <a:tc>
+                  <a:txBody>
+                    <a:bodyPr/>
+                    <a:lstStyle/>
+                    <a:p>
+                      <a:pPr>
+                        <a:buNone/>
+                      </a:pPr>
+                      <a:r>
+                        <a:rPr lang="en-US" sz="1800"/>
+                        <a:t>13,235</a:t>
+                      </a:r>
+                    </a:p>
+                  </a:txBody>
+                  <a:tcPr marT="45713" marB="45713"/>
+                </a:tc>
+                <a:tc>
+                  <a:txBody>
+                    <a:bodyPr/>
+                    <a:lstStyle/>
+                    <a:p>
+                      <a:pPr>
+                        <a:buNone/>
+                      </a:pPr>
+                      <a:r>
+                        <a:rPr lang="en-US" altLang="en-US" sz="1800"/>
+                        <a:t>93</a:t>
+                      </a:r>
+                      <a:r>
+                        <a:rPr lang="" altLang="en-US" sz="1800"/>
+                        <a:t>.</a:t>
+                      </a:r>
+                      <a:r>
+                        <a:rPr lang="en-US" altLang="en-US" sz="1800"/>
+                        <a:t>11</a:t>
+                      </a:r>
+                      <a:r>
+                        <a:rPr lang="" altLang="en-US" sz="1800"/>
+                        <a:t>%</a:t>
+                      </a:r>
+                    </a:p>
+                  </a:txBody>
+                  <a:tcPr marT="45713" marB="45713"/>
+                </a:tc>
+                <a:extLst>
+                  <a:ext uri="{0D108BD9-81ED-4DB2-BD59-A6C34878D82A}">
+                    <a16:rowId xmlns:a16="http://schemas.microsoft.com/office/drawing/2014/main" val="10003"/>
+                  </a:ext>
+                </a:extLst>
+              </a:tr>
+              <a:tr h="380942">
+                <a:tc>
+                  <a:txBody>
+                    <a:bodyPr/>
+                    <a:lstStyle/>
+                    <a:p>
+                      <a:pPr>
+                        <a:buNone/>
+                      </a:pPr>
+                      <a:r>
+                        <a:rPr lang="en-US" sz="1800"/>
+                        <a:t>GTX 980 Ti</a:t>
+                      </a:r>
+                    </a:p>
+                  </a:txBody>
+                  <a:tcPr marT="45713" marB="45713"/>
+                </a:tc>
+                <a:tc>
+                  <a:txBody>
+                    <a:bodyPr/>
+                    <a:lstStyle/>
+                    <a:p>
+                      <a:pPr>
+                        <a:buNone/>
+                      </a:pPr>
+                      <a:r>
+                        <a:rPr lang="en-US" sz="1800"/>
+                        <a:t>11347</a:t>
+                      </a:r>
+                    </a:p>
+                  </a:txBody>
+                  <a:tcPr marT="45713" marB="45713"/>
+                </a:tc>
+                <a:tc>
+                  <a:txBody>
+                    <a:bodyPr/>
+                    <a:lstStyle/>
+                    <a:p>
+                      <a:pPr>
+                        <a:buNone/>
+                      </a:pPr>
+                      <a:r>
+                        <a:rPr lang="en-US" sz="1800"/>
+                        <a:t>20,930</a:t>
+                      </a:r>
+                    </a:p>
+                  </a:txBody>
+                  <a:tcPr marT="45713" marB="45713"/>
+                </a:tc>
+                <a:tc>
+                  <a:txBody>
+                    <a:bodyPr/>
+                    <a:lstStyle/>
+                    <a:p>
+                      <a:pPr>
+                        <a:buNone/>
+                      </a:pPr>
+                      <a:r>
+                        <a:rPr lang="en-US" altLang="en-US" sz="1800"/>
+                        <a:t>54</a:t>
+                      </a:r>
+                      <a:r>
+                        <a:rPr lang="" altLang="en-US" sz="1800"/>
+                        <a:t>.</a:t>
+                      </a:r>
+                      <a:r>
+                        <a:rPr lang="en-US" altLang="en-US" sz="1800"/>
+                        <a:t>21</a:t>
+                      </a:r>
+                      <a:r>
+                        <a:rPr lang="" altLang="en-US" sz="1800"/>
+                        <a:t>%</a:t>
+                      </a:r>
+                    </a:p>
+                  </a:txBody>
+                  <a:tcPr marT="45713" marB="45713"/>
+                </a:tc>
+                <a:extLst>
+                  <a:ext uri="{0D108BD9-81ED-4DB2-BD59-A6C34878D82A}">
+                    <a16:rowId xmlns:a16="http://schemas.microsoft.com/office/drawing/2014/main" val="10004"/>
+                  </a:ext>
+                </a:extLst>
+              </a:tr>
+              <a:tr h="380942">
+                <a:tc>
+                  <a:txBody>
+                    <a:bodyPr/>
+                    <a:lstStyle/>
+                    <a:p>
+                      <a:pPr>
+                        <a:buNone/>
+                      </a:pPr>
+                      <a:r>
+                        <a:rPr lang="en-US" sz="1800"/>
+                        <a:t>GTX 980</a:t>
+                      </a:r>
+                    </a:p>
+                  </a:txBody>
+                  <a:tcPr marT="45713" marB="45713"/>
+                </a:tc>
+                <a:tc>
+                  <a:txBody>
+                    <a:bodyPr/>
+                    <a:lstStyle/>
+                    <a:p>
+                      <a:pPr>
+                        <a:buNone/>
+                      </a:pPr>
+                      <a:r>
+                        <a:rPr lang="en-US" sz="1800"/>
+                        <a:t>9602</a:t>
+                      </a:r>
+                    </a:p>
+                  </a:txBody>
+                  <a:tcPr marT="45713" marB="45713"/>
+                </a:tc>
+                <a:tc>
+                  <a:txBody>
+                    <a:bodyPr/>
+                    <a:lstStyle/>
+                    <a:p>
+                      <a:pPr>
+                        <a:buNone/>
+                      </a:pPr>
+                      <a:r>
+                        <a:rPr lang="en-US" sz="1800"/>
+                        <a:t>18,405</a:t>
+                      </a:r>
+                    </a:p>
+                  </a:txBody>
+                  <a:tcPr marT="45713" marB="45713"/>
+                </a:tc>
+                <a:tc>
+                  <a:txBody>
+                    <a:bodyPr/>
+                    <a:lstStyle/>
+                    <a:p>
+                      <a:pPr>
+                        <a:buNone/>
+                      </a:pPr>
+                      <a:r>
+                        <a:rPr lang="en-US" altLang="en-US" sz="1800"/>
+                        <a:t>52</a:t>
+                      </a:r>
+                      <a:r>
+                        <a:rPr lang="" altLang="en-US" sz="1800"/>
+                        <a:t>.</a:t>
+                      </a:r>
+                      <a:r>
+                        <a:rPr lang="en-US" altLang="en-US" sz="1800"/>
+                        <a:t>17</a:t>
+                      </a:r>
+                      <a:r>
+                        <a:rPr lang="" altLang="en-US" sz="1800"/>
+                        <a:t>%</a:t>
+                      </a:r>
+                    </a:p>
+                  </a:txBody>
+                  <a:tcPr marT="45713" marB="45713"/>
+                </a:tc>
+                <a:extLst>
+                  <a:ext uri="{0D108BD9-81ED-4DB2-BD59-A6C34878D82A}">
+                    <a16:rowId xmlns:a16="http://schemas.microsoft.com/office/drawing/2014/main" val="10005"/>
+                  </a:ext>
+                </a:extLst>
+              </a:tr>
+              <a:tr h="380942">
+                <a:tc>
+                  <a:txBody>
+                    <a:bodyPr/>
+                    <a:lstStyle/>
+                    <a:p>
+                      <a:pPr>
+                        <a:buNone/>
+                      </a:pPr>
+                      <a:r>
+                        <a:rPr lang="en-US" sz="1800"/>
+                        <a:t>GTX 1070 </a:t>
+                      </a:r>
+                      <a:r>
+                        <a:rPr lang="en-US" sz="1800">
+                          <a:sym typeface="+mn-ea"/>
+                        </a:rPr>
+                        <a:t>Ti</a:t>
+                      </a:r>
+                      <a:endParaRPr lang="en-US" sz="1800"/>
+                    </a:p>
+                  </a:txBody>
+                  <a:tcPr marT="45713" marB="45713"/>
+                </a:tc>
+                <a:tc>
+                  <a:txBody>
+                    <a:bodyPr/>
+                    <a:lstStyle/>
+                    <a:p>
+                      <a:pPr>
+                        <a:buNone/>
+                      </a:pPr>
+                      <a:r>
+                        <a:rPr lang="en-US" sz="1800">
+                          <a:sym typeface="+mn-ea"/>
+                        </a:rPr>
+                        <a:t>12154</a:t>
+                      </a:r>
+                      <a:endParaRPr lang="en-US" sz="1800"/>
+                    </a:p>
+                  </a:txBody>
+                  <a:tcPr marT="45713" marB="45713"/>
+                </a:tc>
+                <a:tc>
+                  <a:txBody>
+                    <a:bodyPr/>
+                    <a:lstStyle/>
+                    <a:p>
+                      <a:pPr>
+                        <a:buNone/>
+                      </a:pPr>
+                      <a:r>
+                        <a:rPr lang="en-US" sz="1800">
+                          <a:sym typeface="+mn-ea"/>
+                        </a:rPr>
+                        <a:t>12,208</a:t>
+                      </a:r>
+                      <a:endParaRPr lang="en-US" sz="1800"/>
+                    </a:p>
+                  </a:txBody>
+                  <a:tcPr marT="45713" marB="45713"/>
+                </a:tc>
+                <a:tc>
+                  <a:txBody>
+                    <a:bodyPr/>
+                    <a:lstStyle/>
+                    <a:p>
+                      <a:pPr>
+                        <a:buNone/>
+                      </a:pPr>
+                      <a:r>
+                        <a:rPr lang="en-US" sz="1800">
+                          <a:sym typeface="+mn-ea"/>
+                        </a:rPr>
+                        <a:t>99</a:t>
+                      </a:r>
+                      <a:r>
+                        <a:rPr lang="en-US" altLang="en-US" sz="1800">
+                          <a:sym typeface="+mn-ea"/>
+                        </a:rPr>
+                        <a:t>.</a:t>
+                      </a:r>
+                      <a:r>
+                        <a:rPr lang="en-US" sz="1800">
+                          <a:sym typeface="+mn-ea"/>
+                        </a:rPr>
+                        <a:t>55</a:t>
+                      </a:r>
+                      <a:r>
+                        <a:rPr lang="en-US" altLang="en-US" sz="1800">
+                          <a:sym typeface="+mn-ea"/>
+                        </a:rPr>
+                        <a:t>%</a:t>
+                      </a:r>
+                      <a:endParaRPr lang="en-US" altLang="en-US" sz="1800"/>
+                    </a:p>
+                  </a:txBody>
+                  <a:tcPr marT="45713" marB="45713"/>
+                </a:tc>
+                <a:extLst>
+                  <a:ext uri="{0D108BD9-81ED-4DB2-BD59-A6C34878D82A}">
+                    <a16:rowId xmlns:a16="http://schemas.microsoft.com/office/drawing/2014/main" val="10006"/>
+                  </a:ext>
+                </a:extLst>
+              </a:tr>
+              <a:tr h="380942">
+                <a:tc>
+                  <a:txBody>
+                    <a:bodyPr/>
+                    <a:lstStyle/>
+                    <a:p>
+                      <a:pPr>
+                        <a:buNone/>
+                      </a:pPr>
+                      <a:r>
+                        <a:rPr lang="en-US" sz="1800" dirty="0"/>
+                        <a:t>GTX 1070</a:t>
+                      </a:r>
+                    </a:p>
+                  </a:txBody>
+                  <a:tcPr marT="45713" marB="45713"/>
+                </a:tc>
+                <a:tc>
+                  <a:txBody>
+                    <a:bodyPr/>
+                    <a:lstStyle/>
+                    <a:p>
+                      <a:pPr>
+                        <a:buNone/>
+                      </a:pPr>
+                      <a:r>
+                        <a:rPr lang="en-US" sz="1800">
+                          <a:sym typeface="+mn-ea"/>
+                        </a:rPr>
+                        <a:t>11206 </a:t>
+                      </a:r>
+                      <a:endParaRPr lang="en-US" sz="1800"/>
+                    </a:p>
+                  </a:txBody>
+                  <a:tcPr marT="45713" marB="45713"/>
+                </a:tc>
+                <a:tc>
+                  <a:txBody>
+                    <a:bodyPr/>
+                    <a:lstStyle/>
+                    <a:p>
+                      <a:pPr>
+                        <a:buNone/>
+                      </a:pPr>
+                      <a:r>
+                        <a:rPr lang="en-US" sz="1800">
+                          <a:sym typeface="+mn-ea"/>
+                        </a:rPr>
+                        <a:t>11,531</a:t>
+                      </a:r>
+                      <a:endParaRPr lang="en-US" sz="1800"/>
+                    </a:p>
+                  </a:txBody>
+                  <a:tcPr marT="45713" marB="45713"/>
+                </a:tc>
+                <a:tc>
+                  <a:txBody>
+                    <a:bodyPr/>
+                    <a:lstStyle/>
+                    <a:p>
+                      <a:pPr>
+                        <a:buNone/>
+                      </a:pPr>
+                      <a:r>
+                        <a:rPr lang="en-US" sz="1800">
+                          <a:sym typeface="+mn-ea"/>
+                        </a:rPr>
+                        <a:t>97</a:t>
+                      </a:r>
+                      <a:r>
+                        <a:rPr lang="en-US" altLang="en-US" sz="1800">
+                          <a:sym typeface="+mn-ea"/>
+                        </a:rPr>
+                        <a:t>.</a:t>
+                      </a:r>
+                      <a:r>
+                        <a:rPr lang="en-US" sz="1800">
+                          <a:sym typeface="+mn-ea"/>
+                        </a:rPr>
+                        <a:t>18</a:t>
+                      </a:r>
+                      <a:r>
+                        <a:rPr lang="en-US" altLang="en-US" sz="1800">
+                          <a:sym typeface="+mn-ea"/>
+                        </a:rPr>
+                        <a:t>%</a:t>
+                      </a:r>
+                      <a:endParaRPr lang="en-US" altLang="en-US" sz="1800"/>
+                    </a:p>
+                  </a:txBody>
+                  <a:tcPr marT="45713" marB="45713"/>
+                </a:tc>
+                <a:extLst>
+                  <a:ext uri="{0D108BD9-81ED-4DB2-BD59-A6C34878D82A}">
+                    <a16:rowId xmlns:a16="http://schemas.microsoft.com/office/drawing/2014/main" val="10007"/>
+                  </a:ext>
+                </a:extLst>
+              </a:tr>
+              <a:tr h="408213">
+                <a:tc>
+                  <a:txBody>
+                    <a:bodyPr/>
+                    <a:lstStyle/>
+                    <a:p>
+                      <a:r>
+                        <a:rPr lang="zh-TW" altLang="zh-TW" sz="1800" kern="1200" dirty="0" smtClean="0">
+                          <a:solidFill>
+                            <a:schemeClr val="dk1"/>
+                          </a:solidFill>
+                          <a:effectLst/>
+                          <a:latin typeface="+mn-lt"/>
+                          <a:ea typeface="+mn-ea"/>
+                          <a:cs typeface="+mn-cs"/>
+                        </a:rPr>
+                        <a:t>GTX 1060 3GB  </a:t>
+                      </a:r>
+                    </a:p>
+                  </a:txBody>
+                  <a:tcPr marT="45713" marB="45713"/>
+                </a:tc>
+                <a:tc>
+                  <a:txBody>
+                    <a:bodyPr/>
+                    <a:lstStyle/>
+                    <a:p>
+                      <a:pPr>
+                        <a:buNone/>
+                      </a:pPr>
+                      <a:r>
+                        <a:rPr lang="zh-TW" altLang="zh-TW" sz="1800" kern="1200" dirty="0" smtClean="0">
+                          <a:solidFill>
+                            <a:schemeClr val="dk1"/>
+                          </a:solidFill>
+                          <a:effectLst/>
+                          <a:latin typeface="+mn-lt"/>
+                          <a:ea typeface="+mn-ea"/>
+                          <a:cs typeface="+mn-cs"/>
+                        </a:rPr>
+                        <a:t>8931</a:t>
+                      </a:r>
+                      <a:endParaRPr lang="en-US" sz="1800" dirty="0"/>
+                    </a:p>
+                  </a:txBody>
+                  <a:tcPr marT="45713" marB="45713"/>
+                </a:tc>
+                <a:tc>
+                  <a:txBody>
+                    <a:bodyPr/>
+                    <a:lstStyle/>
+                    <a:p>
+                      <a:pPr>
+                        <a:buNone/>
+                      </a:pPr>
+                      <a:r>
+                        <a:rPr lang="zh-TW" altLang="zh-TW" sz="1800" kern="1200" dirty="0" smtClean="0">
+                          <a:solidFill>
+                            <a:schemeClr val="dk1"/>
+                          </a:solidFill>
+                          <a:effectLst/>
+                          <a:latin typeface="+mn-lt"/>
+                          <a:ea typeface="+mn-ea"/>
+                          <a:cs typeface="+mn-cs"/>
+                        </a:rPr>
+                        <a:t>6,772</a:t>
+                      </a:r>
+                      <a:endParaRPr lang="en-US" sz="1800" dirty="0"/>
+                    </a:p>
+                  </a:txBody>
+                  <a:tcPr marT="45713" marB="45713"/>
+                </a:tc>
+                <a:tc>
+                  <a:txBody>
+                    <a:bodyPr/>
+                    <a:lstStyle/>
+                    <a:p>
+                      <a:pPr marL="0" marR="0" lvl="0" indent="0" algn="l" defTabSz="914400" rtl="0" eaLnBrk="1" fontAlgn="auto" latinLnBrk="0" hangingPunct="1">
+                        <a:lnSpc>
+                          <a:spcPct val="100000"/>
+                        </a:lnSpc>
+                        <a:spcBef>
+                          <a:spcPts val="0"/>
+                        </a:spcBef>
+                        <a:spcAft>
+                          <a:spcPts val="0"/>
+                        </a:spcAft>
+                        <a:buClrTx/>
+                        <a:buSzTx/>
+                        <a:buFontTx/>
+                        <a:buNone/>
+                        <a:tabLst/>
+                        <a:defRPr/>
+                      </a:pPr>
+                      <a:r>
+                        <a:rPr lang="zh-TW" altLang="zh-TW" sz="1800" kern="1200" dirty="0" smtClean="0">
+                          <a:solidFill>
+                            <a:schemeClr val="dk1"/>
+                          </a:solidFill>
+                          <a:effectLst/>
+                          <a:latin typeface="+mn-lt"/>
+                          <a:ea typeface="+mn-ea"/>
+                          <a:cs typeface="+mn-cs"/>
+                        </a:rPr>
+                        <a:t>131.8% (勝) </a:t>
+                      </a:r>
+                      <a:endParaRPr lang="en-US" altLang="en-US" sz="1800" dirty="0"/>
+                    </a:p>
+                  </a:txBody>
+                  <a:tcPr marT="45713" marB="45713"/>
+                </a:tc>
+                <a:extLst>
+                  <a:ext uri="{0D108BD9-81ED-4DB2-BD59-A6C34878D82A}">
+                    <a16:rowId xmlns:a16="http://schemas.microsoft.com/office/drawing/2014/main" val="511992350"/>
+                  </a:ext>
+                </a:extLst>
+              </a:tr>
+              <a:tr h="380942">
+                <a:tc>
+                  <a:txBody>
+                    <a:bodyPr/>
+                    <a:lstStyle/>
+                    <a:p>
+                      <a:pPr>
+                        <a:buNone/>
+                      </a:pPr>
+                      <a:r>
+                        <a:rPr lang="en-US" sz="1800" dirty="0"/>
+                        <a:t>GTX </a:t>
+                      </a:r>
+                      <a:r>
+                        <a:rPr lang="en-US" sz="1800" dirty="0" smtClean="0"/>
+                        <a:t>1060 6GB</a:t>
+                      </a:r>
+                      <a:endParaRPr lang="en-US" sz="1800" dirty="0"/>
+                    </a:p>
+                  </a:txBody>
+                  <a:tcPr marT="45713" marB="45713"/>
+                </a:tc>
+                <a:tc>
+                  <a:txBody>
+                    <a:bodyPr/>
+                    <a:lstStyle/>
+                    <a:p>
+                      <a:pPr>
+                        <a:buNone/>
+                      </a:pPr>
+                      <a:r>
+                        <a:rPr lang="en-US" sz="1800"/>
+                        <a:t>9009</a:t>
+                      </a:r>
+                    </a:p>
+                  </a:txBody>
+                  <a:tcPr marT="45713" marB="45713"/>
+                </a:tc>
+                <a:tc>
+                  <a:txBody>
+                    <a:bodyPr/>
+                    <a:lstStyle/>
+                    <a:p>
+                      <a:pPr>
+                        <a:buNone/>
+                      </a:pPr>
+                      <a:r>
+                        <a:rPr lang="en-US" sz="1800"/>
+                        <a:t>7,668</a:t>
+                      </a:r>
+                    </a:p>
+                  </a:txBody>
+                  <a:tcPr marT="45713" marB="45713"/>
+                </a:tc>
+                <a:tc>
+                  <a:txBody>
+                    <a:bodyPr/>
+                    <a:lstStyle/>
+                    <a:p>
+                      <a:pPr>
+                        <a:buNone/>
+                      </a:pPr>
+                      <a:r>
+                        <a:rPr lang="en-US" sz="1800" dirty="0"/>
+                        <a:t>117</a:t>
+                      </a:r>
+                      <a:r>
+                        <a:rPr lang="en-US" altLang="en-US" sz="1800" dirty="0"/>
+                        <a:t>.</a:t>
+                      </a:r>
+                      <a:r>
+                        <a:rPr lang="en-US" sz="1800" dirty="0"/>
+                        <a:t>4</a:t>
+                      </a:r>
+                      <a:r>
+                        <a:rPr lang="en-US" altLang="en-US" sz="1800" dirty="0"/>
+                        <a:t>% </a:t>
+                      </a:r>
+                    </a:p>
+                  </a:txBody>
+                  <a:tcPr marT="45713" marB="45713"/>
+                </a:tc>
+                <a:extLst>
+                  <a:ext uri="{0D108BD9-81ED-4DB2-BD59-A6C34878D82A}">
+                    <a16:rowId xmlns:a16="http://schemas.microsoft.com/office/drawing/2014/main" val="10008"/>
+                  </a:ext>
+                </a:extLst>
+              </a:tr>
+              <a:tr h="380942">
+                <a:tc>
+                  <a:txBody>
+                    <a:bodyPr/>
+                    <a:lstStyle/>
+                    <a:p>
+                      <a:pPr>
+                        <a:buNone/>
+                      </a:pPr>
+                      <a:r>
+                        <a:rPr lang="en-US" sz="1800"/>
+                        <a:t>GTX 1050 Ti</a:t>
+                      </a:r>
+                    </a:p>
+                  </a:txBody>
+                  <a:tcPr marT="45713" marB="45713"/>
+                </a:tc>
+                <a:tc>
+                  <a:txBody>
+                    <a:bodyPr/>
+                    <a:lstStyle/>
+                    <a:p>
+                      <a:pPr>
+                        <a:buNone/>
+                      </a:pPr>
+                      <a:r>
+                        <a:rPr lang="en-US" sz="1800"/>
+                        <a:t>5950</a:t>
+                      </a:r>
+                    </a:p>
+                  </a:txBody>
+                  <a:tcPr marT="45713" marB="45713"/>
+                </a:tc>
+                <a:tc>
+                  <a:txBody>
+                    <a:bodyPr/>
+                    <a:lstStyle/>
+                    <a:p>
+                      <a:pPr>
+                        <a:buNone/>
+                      </a:pPr>
+                      <a:r>
+                        <a:rPr lang="en-US" sz="1800"/>
+                        <a:t>5,184</a:t>
+                      </a:r>
+                    </a:p>
+                  </a:txBody>
+                  <a:tcPr marT="45713" marB="45713"/>
+                </a:tc>
+                <a:tc>
+                  <a:txBody>
+                    <a:bodyPr/>
+                    <a:lstStyle/>
+                    <a:p>
+                      <a:pPr>
+                        <a:buNone/>
+                      </a:pPr>
+                      <a:r>
+                        <a:rPr lang="en-US" sz="1800"/>
+                        <a:t>114</a:t>
+                      </a:r>
+                      <a:r>
+                        <a:rPr lang="en-US" altLang="en-US" sz="1800"/>
+                        <a:t>.</a:t>
+                      </a:r>
+                      <a:r>
+                        <a:rPr lang="en-US" sz="1800"/>
+                        <a:t>7</a:t>
+                      </a:r>
+                      <a:r>
+                        <a:rPr lang="en-US" altLang="en-US" sz="1800"/>
+                        <a:t>%</a:t>
+                      </a:r>
+                    </a:p>
+                  </a:txBody>
+                  <a:tcPr marT="45713" marB="45713"/>
+                </a:tc>
+                <a:extLst>
+                  <a:ext uri="{0D108BD9-81ED-4DB2-BD59-A6C34878D82A}">
+                    <a16:rowId xmlns:a16="http://schemas.microsoft.com/office/drawing/2014/main" val="10009"/>
+                  </a:ext>
+                </a:extLst>
+              </a:tr>
+              <a:tr h="380942">
+                <a:tc>
+                  <a:txBody>
+                    <a:bodyPr/>
+                    <a:lstStyle/>
+                    <a:p>
+                      <a:pPr>
+                        <a:buNone/>
+                      </a:pPr>
+                      <a:r>
+                        <a:rPr lang="en-US" sz="1800" dirty="0"/>
+                        <a:t>GTX 1050</a:t>
+                      </a:r>
+                    </a:p>
+                  </a:txBody>
+                  <a:tcPr marT="45713" marB="45713"/>
+                </a:tc>
+                <a:tc>
+                  <a:txBody>
+                    <a:bodyPr/>
+                    <a:lstStyle/>
+                    <a:p>
+                      <a:pPr>
+                        <a:buNone/>
+                      </a:pPr>
+                      <a:r>
+                        <a:rPr lang="en-US" sz="1800"/>
+                        <a:t>4610</a:t>
+                      </a:r>
+                    </a:p>
+                  </a:txBody>
+                  <a:tcPr marT="45713" marB="45713"/>
+                </a:tc>
+                <a:tc>
+                  <a:txBody>
+                    <a:bodyPr/>
+                    <a:lstStyle/>
+                    <a:p>
+                      <a:pPr>
+                        <a:buNone/>
+                      </a:pPr>
+                      <a:r>
+                        <a:rPr lang="en-US" sz="1800"/>
+                        <a:t>3,987</a:t>
+                      </a:r>
+                    </a:p>
+                  </a:txBody>
+                  <a:tcPr marT="45713" marB="45713"/>
+                </a:tc>
+                <a:tc>
+                  <a:txBody>
+                    <a:bodyPr/>
+                    <a:lstStyle/>
+                    <a:p>
+                      <a:pPr>
+                        <a:buNone/>
+                      </a:pPr>
+                      <a:r>
+                        <a:rPr lang="en-US" sz="1800" dirty="0"/>
+                        <a:t>115</a:t>
+                      </a:r>
+                      <a:r>
+                        <a:rPr lang="en-US" altLang="en-US" sz="1800" dirty="0"/>
+                        <a:t>.</a:t>
+                      </a:r>
+                      <a:r>
+                        <a:rPr lang="en-US" sz="1800" dirty="0"/>
+                        <a:t>6</a:t>
+                      </a:r>
+                      <a:r>
+                        <a:rPr lang="en-US" altLang="en-US" sz="1800" dirty="0"/>
+                        <a:t>%</a:t>
+                      </a:r>
+                    </a:p>
+                  </a:txBody>
+                  <a:tcPr marT="45713" marB="45713"/>
+                </a:tc>
+                <a:extLst>
+                  <a:ext uri="{0D108BD9-81ED-4DB2-BD59-A6C34878D82A}">
+                    <a16:rowId xmlns:a16="http://schemas.microsoft.com/office/drawing/2014/main" val="10010"/>
+                  </a:ext>
+                </a:extLst>
+              </a:tr>
+              <a:tr h="380942">
+                <a:tc>
+                  <a:txBody>
+                    <a:bodyPr/>
+                    <a:lstStyle/>
+                    <a:p>
+                      <a:pPr>
+                        <a:buNone/>
+                      </a:pPr>
+                      <a:r>
+                        <a:rPr lang="en-US" sz="1800" dirty="0" smtClean="0"/>
+                        <a:t>K80</a:t>
+                      </a:r>
+                      <a:endParaRPr lang="en-US" sz="1800" dirty="0"/>
+                    </a:p>
+                  </a:txBody>
+                  <a:tcPr marT="45713" marB="45713"/>
+                </a:tc>
+                <a:tc>
+                  <a:txBody>
+                    <a:bodyPr/>
+                    <a:lstStyle/>
+                    <a:p>
+                      <a:pPr>
+                        <a:buNone/>
+                      </a:pPr>
+                      <a:r>
+                        <a:rPr lang="en-US" sz="1800" dirty="0" smtClean="0"/>
+                        <a:t>~7000</a:t>
+                      </a:r>
+                      <a:endParaRPr lang="en-US" sz="1800" dirty="0"/>
+                    </a:p>
+                  </a:txBody>
+                  <a:tcPr marT="45713" marB="45713"/>
+                </a:tc>
+                <a:tc>
+                  <a:txBody>
+                    <a:bodyPr/>
+                    <a:lstStyle/>
+                    <a:p>
+                      <a:pPr>
+                        <a:buNone/>
+                      </a:pPr>
+                      <a:r>
+                        <a:rPr lang="en-US" sz="1800" dirty="0" smtClean="0"/>
+                        <a:t>14776~20010/month</a:t>
+                      </a:r>
+                      <a:endParaRPr lang="en-US" sz="1800" dirty="0"/>
+                    </a:p>
+                  </a:txBody>
+                  <a:tcPr marT="45713" marB="45713"/>
+                </a:tc>
+                <a:tc>
+                  <a:txBody>
+                    <a:bodyPr/>
+                    <a:lstStyle/>
+                    <a:p>
+                      <a:pPr>
+                        <a:buNone/>
+                      </a:pPr>
+                      <a:endParaRPr lang="en-US" altLang="en-US" sz="1800" dirty="0"/>
+                    </a:p>
+                  </a:txBody>
+                  <a:tcPr marT="45713" marB="45713"/>
+                </a:tc>
+                <a:extLst>
+                  <a:ext uri="{0D108BD9-81ED-4DB2-BD59-A6C34878D82A}">
+                    <a16:rowId xmlns:a16="http://schemas.microsoft.com/office/drawing/2014/main" val="324283933"/>
+                  </a:ext>
+                </a:extLst>
+              </a:tr>
+            </a:tbl>
+          </a:graphicData>
+        </a:graphic>
+      </p:graphicFrame>
+    </p:spTree>
+    <p:extLst>
+      <p:ext uri="{BB962C8B-B14F-4D97-AF65-F5344CB8AC3E}">
+        <p14:creationId xmlns:p14="http://schemas.microsoft.com/office/powerpoint/2010/main" val="3102133913"/>
       </p:ext>
     </p:extLst>
   </p:cSld>
@@ -11989,6 +14567,766 @@
     <p:extLst>
       <p:ext uri="{BB962C8B-B14F-4D97-AF65-F5344CB8AC3E}">
         <p14:creationId xmlns:p14="http://schemas.microsoft.com/office/powerpoint/2010/main" val="141434036"/>
+      </p:ext>
+    </p:extLst>
+  </p:cSld>
+  <p:clrMapOvr>
+    <a:masterClrMapping/>
+  </p:clrMapOvr>
+  <p:timing>
+    <p:tnLst>
+      <p:par>
+        <p:cTn id="1" dur="indefinite" restart="never" nodeType="tmRoot"/>
+      </p:par>
+    </p:tnLst>
+  </p:timing>
+</p:sld>
+</file>
+
+<file path=ppt/slides/slide20.xml><?xml version="1.0" encoding="utf-8"?>
+<p:sld xmlns:a="http://schemas.openxmlformats.org/drawingml/2006/main" xmlns:r="http://schemas.openxmlformats.org/officeDocument/2006/relationships" xmlns:p="http://schemas.openxmlformats.org/presentationml/2006/main">
+  <p:cSld>
+    <p:spTree>
+      <p:nvGrpSpPr>
+        <p:cNvPr id="1" name=""/>
+        <p:cNvGrpSpPr/>
+        <p:nvPr/>
+      </p:nvGrpSpPr>
+      <p:grpSpPr>
+        <a:xfrm>
+          <a:off x="0" y="0"/>
+          <a:ext cx="0" cy="0"/>
+          <a:chOff x="0" y="0"/>
+          <a:chExt cx="0" cy="0"/>
+        </a:xfrm>
+      </p:grpSpPr>
+      <p:sp>
+        <p:nvSpPr>
+          <p:cNvPr id="2" name="標題 1"/>
+          <p:cNvSpPr>
+            <a:spLocks noGrp="1"/>
+          </p:cNvSpPr>
+          <p:nvPr>
+            <p:ph type="title"/>
+          </p:nvPr>
+        </p:nvSpPr>
+        <p:spPr/>
+        <p:txBody>
+          <a:bodyPr/>
+          <a:lstStyle/>
+          <a:p>
+            <a:r>
+              <a:rPr lang="en-US" altLang="zh-TW" sz="3200" dirty="0"/>
+              <a:t>Appendix </a:t>
+            </a:r>
+            <a:r>
+              <a:rPr lang="en-US" altLang="zh-TW" sz="3200" dirty="0" smtClean="0"/>
+              <a:t>– Azure VM with GPU</a:t>
+            </a:r>
+            <a:endParaRPr lang="en-US" altLang="zh-TW" sz="3200" dirty="0"/>
+          </a:p>
+        </p:txBody>
+      </p:sp>
+      <p:sp>
+        <p:nvSpPr>
+          <p:cNvPr id="3" name="內容版面配置區 2"/>
+          <p:cNvSpPr>
+            <a:spLocks noGrp="1"/>
+          </p:cNvSpPr>
+          <p:nvPr>
+            <p:ph idx="1"/>
+          </p:nvPr>
+        </p:nvSpPr>
+        <p:spPr/>
+        <p:txBody>
+          <a:bodyPr/>
+          <a:lstStyle/>
+          <a:p>
+            <a:r>
+              <a:rPr lang="en-US" altLang="zh-TW" dirty="0" smtClean="0"/>
+              <a:t>123</a:t>
+            </a:r>
+          </a:p>
+          <a:p>
+            <a:endParaRPr lang="en-US" dirty="0"/>
+          </a:p>
+        </p:txBody>
+      </p:sp>
+      <p:pic>
+        <p:nvPicPr>
+          <p:cNvPr id="4" name="圖片 3"/>
+          <p:cNvPicPr>
+            <a:picLocks noChangeAspect="1"/>
+          </p:cNvPicPr>
+          <p:nvPr/>
+        </p:nvPicPr>
+        <p:blipFill>
+          <a:blip r:embed="rId3">
+            <a:extLst>
+              <a:ext uri="{28A0092B-C50C-407E-A947-70E740481C1C}">
+                <a14:useLocalDpi xmlns:a14="http://schemas.microsoft.com/office/drawing/2010/main" val="0"/>
+              </a:ext>
+            </a:extLst>
+          </a:blip>
+          <a:stretch>
+            <a:fillRect/>
+          </a:stretch>
+        </p:blipFill>
+        <p:spPr>
+          <a:xfrm>
+            <a:off x="-57026" y="-603448"/>
+            <a:ext cx="9381554" cy="7581310"/>
+          </a:xfrm>
+          <a:prstGeom prst="rect">
+            <a:avLst/>
+          </a:prstGeom>
+        </p:spPr>
+      </p:pic>
+    </p:spTree>
+    <p:extLst>
+      <p:ext uri="{BB962C8B-B14F-4D97-AF65-F5344CB8AC3E}">
+        <p14:creationId xmlns:p14="http://schemas.microsoft.com/office/powerpoint/2010/main" val="4256668586"/>
+      </p:ext>
+    </p:extLst>
+  </p:cSld>
+  <p:clrMapOvr>
+    <a:masterClrMapping/>
+  </p:clrMapOvr>
+  <p:timing>
+    <p:tnLst>
+      <p:par>
+        <p:cTn id="1" dur="indefinite" restart="never" nodeType="tmRoot"/>
+      </p:par>
+    </p:tnLst>
+  </p:timing>
+</p:sld>
+</file>
+
+<file path=ppt/slides/slide21.xml><?xml version="1.0" encoding="utf-8"?>
+<p:sld xmlns:a="http://schemas.openxmlformats.org/drawingml/2006/main" xmlns:r="http://schemas.openxmlformats.org/officeDocument/2006/relationships" xmlns:p="http://schemas.openxmlformats.org/presentationml/2006/main">
+  <p:cSld>
+    <p:spTree>
+      <p:nvGrpSpPr>
+        <p:cNvPr id="1" name=""/>
+        <p:cNvGrpSpPr/>
+        <p:nvPr/>
+      </p:nvGrpSpPr>
+      <p:grpSpPr>
+        <a:xfrm>
+          <a:off x="0" y="0"/>
+          <a:ext cx="0" cy="0"/>
+          <a:chOff x="0" y="0"/>
+          <a:chExt cx="0" cy="0"/>
+        </a:xfrm>
+      </p:grpSpPr>
+      <p:sp>
+        <p:nvSpPr>
+          <p:cNvPr id="2" name="標題 1"/>
+          <p:cNvSpPr>
+            <a:spLocks noGrp="1"/>
+          </p:cNvSpPr>
+          <p:nvPr>
+            <p:ph type="title"/>
+          </p:nvPr>
+        </p:nvSpPr>
+        <p:spPr/>
+        <p:txBody>
+          <a:bodyPr/>
+          <a:lstStyle/>
+          <a:p>
+            <a:r>
+              <a:rPr lang="en-US" altLang="zh-TW" sz="3200" dirty="0"/>
+              <a:t>Appendix </a:t>
+            </a:r>
+            <a:r>
+              <a:rPr lang="en-US" altLang="zh-TW" sz="3200" dirty="0" smtClean="0"/>
+              <a:t>– NVIDIA Cloud Platform</a:t>
+            </a:r>
+            <a:endParaRPr lang="en-US" altLang="zh-TW" sz="3200" dirty="0"/>
+          </a:p>
+        </p:txBody>
+      </p:sp>
+      <p:sp>
+        <p:nvSpPr>
+          <p:cNvPr id="3" name="內容版面配置區 2"/>
+          <p:cNvSpPr>
+            <a:spLocks noGrp="1"/>
+          </p:cNvSpPr>
+          <p:nvPr>
+            <p:ph idx="1"/>
+          </p:nvPr>
+        </p:nvSpPr>
+        <p:spPr/>
+        <p:txBody>
+          <a:bodyPr/>
+          <a:lstStyle/>
+          <a:p>
+            <a:r>
+              <a:rPr lang="en-US" altLang="zh-TW" dirty="0"/>
+              <a:t>O</a:t>
+            </a:r>
+            <a:r>
+              <a:rPr lang="en-US" altLang="zh-TW" dirty="0" smtClean="0"/>
+              <a:t>ptimized </a:t>
+            </a:r>
+            <a:r>
+              <a:rPr lang="en-US" altLang="zh-TW" dirty="0"/>
+              <a:t>deep learning software containers</a:t>
+            </a:r>
+            <a:endParaRPr lang="en-US" altLang="zh-TW" dirty="0" smtClean="0"/>
+          </a:p>
+          <a:p>
+            <a:pPr lvl="1"/>
+            <a:r>
+              <a:rPr lang="en-US" altLang="zh-TW" dirty="0" smtClean="0"/>
+              <a:t>NVIDIA </a:t>
+            </a:r>
+            <a:r>
+              <a:rPr lang="en-US" altLang="zh-TW" dirty="0"/>
+              <a:t>GPU-accelerated releases of </a:t>
+            </a:r>
+            <a:r>
+              <a:rPr lang="en-US" altLang="zh-TW" dirty="0" smtClean="0"/>
+              <a:t>popular frameworks</a:t>
+            </a:r>
+          </a:p>
+          <a:p>
+            <a:pPr lvl="1"/>
+            <a:r>
+              <a:rPr lang="en-US" altLang="zh-TW" dirty="0" smtClean="0"/>
+              <a:t>Support </a:t>
+            </a:r>
+            <a:r>
+              <a:rPr lang="en-US" altLang="zh-TW" dirty="0"/>
+              <a:t>NVIDIA GPUs on Amazon EC2, Google </a:t>
+            </a:r>
+            <a:r>
+              <a:rPr lang="en-US" altLang="zh-TW" dirty="0" smtClean="0"/>
+              <a:t>Cloud, </a:t>
+            </a:r>
+            <a:r>
+              <a:rPr lang="en-US" altLang="zh-TW" dirty="0"/>
+              <a:t>Microsoft Azure, and Oracle Cloud </a:t>
+            </a:r>
+            <a:endParaRPr lang="en-US" altLang="zh-TW" dirty="0" smtClean="0"/>
+          </a:p>
+          <a:p>
+            <a:pPr lvl="1"/>
+            <a:endParaRPr lang="en-US" dirty="0"/>
+          </a:p>
+        </p:txBody>
+      </p:sp>
+      <p:pic>
+        <p:nvPicPr>
+          <p:cNvPr id="4" name="圖片 3"/>
+          <p:cNvPicPr>
+            <a:picLocks noChangeAspect="1"/>
+          </p:cNvPicPr>
+          <p:nvPr/>
+        </p:nvPicPr>
+        <p:blipFill>
+          <a:blip r:embed="rId3"/>
+          <a:stretch>
+            <a:fillRect/>
+          </a:stretch>
+        </p:blipFill>
+        <p:spPr>
+          <a:xfrm>
+            <a:off x="1671637" y="2996952"/>
+            <a:ext cx="5800725" cy="2809875"/>
+          </a:xfrm>
+          <a:prstGeom prst="rect">
+            <a:avLst/>
+          </a:prstGeom>
+        </p:spPr>
+      </p:pic>
+    </p:spTree>
+    <p:extLst>
+      <p:ext uri="{BB962C8B-B14F-4D97-AF65-F5344CB8AC3E}">
+        <p14:creationId xmlns:p14="http://schemas.microsoft.com/office/powerpoint/2010/main" val="217770350"/>
+      </p:ext>
+    </p:extLst>
+  </p:cSld>
+  <p:clrMapOvr>
+    <a:masterClrMapping/>
+  </p:clrMapOvr>
+  <p:timing>
+    <p:tnLst>
+      <p:par>
+        <p:cTn id="1" dur="indefinite" restart="never" nodeType="tmRoot"/>
+      </p:par>
+    </p:tnLst>
+  </p:timing>
+</p:sld>
+</file>
+
+<file path=ppt/slides/slide22.xml><?xml version="1.0" encoding="utf-8"?>
+<p:sld xmlns:a="http://schemas.openxmlformats.org/drawingml/2006/main" xmlns:r="http://schemas.openxmlformats.org/officeDocument/2006/relationships" xmlns:p="http://schemas.openxmlformats.org/presentationml/2006/main">
+  <p:cSld>
+    <p:spTree>
+      <p:nvGrpSpPr>
+        <p:cNvPr id="1" name=""/>
+        <p:cNvGrpSpPr/>
+        <p:nvPr/>
+      </p:nvGrpSpPr>
+      <p:grpSpPr>
+        <a:xfrm>
+          <a:off x="0" y="0"/>
+          <a:ext cx="0" cy="0"/>
+          <a:chOff x="0" y="0"/>
+          <a:chExt cx="0" cy="0"/>
+        </a:xfrm>
+      </p:grpSpPr>
+      <p:sp>
+        <p:nvSpPr>
+          <p:cNvPr id="2" name="標題 1"/>
+          <p:cNvSpPr>
+            <a:spLocks noGrp="1"/>
+          </p:cNvSpPr>
+          <p:nvPr>
+            <p:ph type="title"/>
+          </p:nvPr>
+        </p:nvSpPr>
+        <p:spPr/>
+        <p:txBody>
+          <a:bodyPr/>
+          <a:lstStyle/>
+          <a:p>
+            <a:r>
+              <a:rPr lang="en-US" altLang="zh-TW" sz="3200" dirty="0"/>
+              <a:t>Appendix </a:t>
+            </a:r>
+            <a:r>
+              <a:rPr lang="en-US" altLang="zh-TW" sz="3200" dirty="0" smtClean="0"/>
+              <a:t>– </a:t>
+            </a:r>
+            <a:r>
+              <a:rPr lang="en-US" altLang="zh-TW" sz="3200" dirty="0"/>
+              <a:t>NVIDIA Cloud Platform</a:t>
+            </a:r>
+          </a:p>
+        </p:txBody>
+      </p:sp>
+      <p:sp>
+        <p:nvSpPr>
+          <p:cNvPr id="3" name="內容版面配置區 2"/>
+          <p:cNvSpPr>
+            <a:spLocks noGrp="1"/>
+          </p:cNvSpPr>
+          <p:nvPr>
+            <p:ph idx="1"/>
+          </p:nvPr>
+        </p:nvSpPr>
+        <p:spPr/>
+        <p:txBody>
+          <a:bodyPr/>
+          <a:lstStyle/>
+          <a:p>
+            <a:r>
+              <a:rPr lang="en-US" altLang="zh-TW" dirty="0" smtClean="0"/>
+              <a:t>NVIDIA </a:t>
+            </a:r>
+            <a:r>
+              <a:rPr lang="en-US" altLang="zh-TW" dirty="0"/>
+              <a:t>Deep Learning SDK</a:t>
+            </a:r>
+          </a:p>
+          <a:p>
+            <a:pPr lvl="1"/>
+            <a:r>
+              <a:rPr lang="en-US" altLang="zh-TW" b="1" kern="1200" dirty="0" err="1" smtClean="0">
+                <a:hlinkClick r:id="rId3"/>
+              </a:rPr>
+              <a:t>cuDNN</a:t>
+            </a:r>
+            <a:r>
+              <a:rPr lang="en-US" altLang="zh-TW" kern="1200" dirty="0" smtClean="0"/>
+              <a:t>: building </a:t>
+            </a:r>
+            <a:r>
+              <a:rPr lang="en-US" altLang="zh-TW" kern="1200" dirty="0"/>
+              <a:t>blocks </a:t>
+            </a:r>
+            <a:r>
+              <a:rPr lang="en-US" altLang="zh-TW" kern="1200" dirty="0" smtClean="0"/>
+              <a:t>for DNN application</a:t>
+            </a:r>
+          </a:p>
+          <a:p>
+            <a:pPr lvl="1"/>
+            <a:r>
+              <a:rPr lang="en-US" altLang="zh-TW" b="1" kern="1200" dirty="0" err="1" smtClean="0">
+                <a:hlinkClick r:id="rId4"/>
+              </a:rPr>
+              <a:t>TensorRT</a:t>
+            </a:r>
+            <a:r>
+              <a:rPr lang="en-US" altLang="zh-TW" kern="1200" dirty="0" smtClean="0"/>
+              <a:t>: DL inference for runtime</a:t>
+            </a:r>
+          </a:p>
+          <a:p>
+            <a:pPr lvl="1"/>
+            <a:r>
+              <a:rPr lang="en-US" altLang="zh-TW" b="1" kern="1200" dirty="0" err="1">
+                <a:hlinkClick r:id="rId5"/>
+              </a:rPr>
+              <a:t>DeepStream</a:t>
+            </a:r>
+            <a:r>
+              <a:rPr lang="en-US" altLang="zh-TW" b="1" kern="1200" dirty="0">
+                <a:hlinkClick r:id="rId5"/>
+              </a:rPr>
+              <a:t> </a:t>
+            </a:r>
+            <a:r>
+              <a:rPr lang="en-US" altLang="zh-TW" b="1" kern="1200" dirty="0" smtClean="0">
+                <a:hlinkClick r:id="rId5"/>
+              </a:rPr>
+              <a:t>SDK</a:t>
+            </a:r>
+            <a:r>
+              <a:rPr lang="en-US" altLang="zh-TW" kern="1200" dirty="0" smtClean="0"/>
+              <a:t>: </a:t>
+            </a:r>
+            <a:r>
+              <a:rPr lang="en-US" altLang="zh-TW" kern="1200" dirty="0"/>
+              <a:t>High-level C++ API </a:t>
+            </a:r>
+            <a:r>
+              <a:rPr lang="en-US" altLang="zh-TW" kern="1200" dirty="0" smtClean="0"/>
+              <a:t>for transcoding</a:t>
+            </a:r>
+          </a:p>
+          <a:p>
+            <a:pPr lvl="1"/>
+            <a:r>
+              <a:rPr lang="en-US" altLang="zh-TW" b="1" kern="1200" dirty="0" err="1" smtClean="0">
+                <a:hlinkClick r:id="rId6"/>
+              </a:rPr>
+              <a:t>cuBLAS</a:t>
+            </a:r>
+            <a:r>
+              <a:rPr lang="en-US" altLang="zh-TW" kern="1200" dirty="0" smtClean="0"/>
+              <a:t>: basic linear algebra subprogram with GPU</a:t>
+            </a:r>
+          </a:p>
+          <a:p>
+            <a:pPr lvl="1"/>
+            <a:r>
+              <a:rPr lang="en-US" altLang="zh-TW" b="1" kern="1200" dirty="0" err="1" smtClean="0">
+                <a:hlinkClick r:id="rId7"/>
+              </a:rPr>
+              <a:t>cuSPARSE</a:t>
+            </a:r>
+            <a:r>
+              <a:rPr lang="en-US" altLang="zh-TW" kern="1200" dirty="0" smtClean="0"/>
+              <a:t>: linear algebra </a:t>
+            </a:r>
+            <a:r>
+              <a:rPr lang="en-US" altLang="zh-TW" kern="1200" dirty="0"/>
+              <a:t>subroutines for sparse matrices</a:t>
+            </a:r>
+          </a:p>
+          <a:p>
+            <a:pPr lvl="1"/>
+            <a:r>
+              <a:rPr lang="en-US" altLang="zh-TW" b="1" kern="1200" dirty="0" smtClean="0">
+                <a:hlinkClick r:id="rId8"/>
+              </a:rPr>
+              <a:t>NCCL</a:t>
+            </a:r>
+            <a:r>
+              <a:rPr lang="en-US" altLang="zh-TW" kern="1200" dirty="0" smtClean="0"/>
+              <a:t>: communication routines </a:t>
+            </a:r>
+            <a:r>
+              <a:rPr lang="en-US" altLang="zh-TW" dirty="0" smtClean="0"/>
+              <a:t>for multi-GPU training</a:t>
+            </a:r>
+          </a:p>
+          <a:p>
+            <a:pPr lvl="1"/>
+            <a:r>
+              <a:rPr lang="en-US" altLang="zh-TW" b="1" dirty="0"/>
+              <a:t> (</a:t>
+            </a:r>
+            <a:r>
+              <a:rPr lang="en-US" altLang="zh-TW" b="1" dirty="0">
+                <a:hlinkClick r:id="rId9"/>
+              </a:rPr>
+              <a:t>DIGITS</a:t>
+            </a:r>
+            <a:r>
+              <a:rPr lang="en-US" altLang="zh-TW" b="1" dirty="0"/>
+              <a:t>)</a:t>
+            </a:r>
+            <a:r>
+              <a:rPr lang="en-US" altLang="zh-TW" dirty="0"/>
+              <a:t>: </a:t>
+            </a:r>
+            <a:r>
+              <a:rPr lang="en-US" altLang="zh-TW" dirty="0" smtClean="0"/>
+              <a:t>train DNNs </a:t>
+            </a:r>
+            <a:r>
+              <a:rPr lang="en-US" altLang="zh-TW" dirty="0"/>
+              <a:t>for </a:t>
+            </a:r>
+            <a:r>
+              <a:rPr lang="en-US" altLang="zh-TW" dirty="0" smtClean="0"/>
+              <a:t>image-related tasks</a:t>
+            </a:r>
+          </a:p>
+          <a:p>
+            <a:endParaRPr lang="en-US" dirty="0"/>
+          </a:p>
+        </p:txBody>
+      </p:sp>
+      <p:pic>
+        <p:nvPicPr>
+          <p:cNvPr id="4" name="圖片 3"/>
+          <p:cNvPicPr>
+            <a:picLocks noChangeAspect="1"/>
+          </p:cNvPicPr>
+          <p:nvPr/>
+        </p:nvPicPr>
+        <p:blipFill>
+          <a:blip r:embed="rId10"/>
+          <a:stretch>
+            <a:fillRect/>
+          </a:stretch>
+        </p:blipFill>
+        <p:spPr>
+          <a:xfrm>
+            <a:off x="88952" y="4941168"/>
+            <a:ext cx="8966095" cy="1023347"/>
+          </a:xfrm>
+          <a:prstGeom prst="rect">
+            <a:avLst/>
+          </a:prstGeom>
+        </p:spPr>
+      </p:pic>
+    </p:spTree>
+    <p:extLst>
+      <p:ext uri="{BB962C8B-B14F-4D97-AF65-F5344CB8AC3E}">
+        <p14:creationId xmlns:p14="http://schemas.microsoft.com/office/powerpoint/2010/main" val="2557030385"/>
+      </p:ext>
+    </p:extLst>
+  </p:cSld>
+  <p:clrMapOvr>
+    <a:masterClrMapping/>
+  </p:clrMapOvr>
+  <p:timing>
+    <p:tnLst>
+      <p:par>
+        <p:cTn id="1" dur="indefinite" restart="never" nodeType="tmRoot"/>
+      </p:par>
+    </p:tnLst>
+  </p:timing>
+</p:sld>
+</file>
+
+<file path=ppt/slides/slide23.xml><?xml version="1.0" encoding="utf-8"?>
+<p:sld xmlns:a="http://schemas.openxmlformats.org/drawingml/2006/main" xmlns:r="http://schemas.openxmlformats.org/officeDocument/2006/relationships" xmlns:p="http://schemas.openxmlformats.org/presentationml/2006/main">
+  <p:cSld>
+    <p:spTree>
+      <p:nvGrpSpPr>
+        <p:cNvPr id="1" name=""/>
+        <p:cNvGrpSpPr/>
+        <p:nvPr/>
+      </p:nvGrpSpPr>
+      <p:grpSpPr>
+        <a:xfrm>
+          <a:off x="0" y="0"/>
+          <a:ext cx="0" cy="0"/>
+          <a:chOff x="0" y="0"/>
+          <a:chExt cx="0" cy="0"/>
+        </a:xfrm>
+      </p:grpSpPr>
+      <p:sp>
+        <p:nvSpPr>
+          <p:cNvPr id="2" name="標題 1"/>
+          <p:cNvSpPr>
+            <a:spLocks noGrp="1"/>
+          </p:cNvSpPr>
+          <p:nvPr>
+            <p:ph type="title"/>
+          </p:nvPr>
+        </p:nvSpPr>
+        <p:spPr/>
+        <p:txBody>
+          <a:bodyPr/>
+          <a:lstStyle/>
+          <a:p>
+            <a:r>
+              <a:rPr lang="en-US" altLang="zh-TW" sz="3200" dirty="0"/>
+              <a:t>Appendix </a:t>
+            </a:r>
+            <a:r>
+              <a:rPr lang="en-US" altLang="zh-TW" sz="3200" dirty="0" smtClean="0"/>
+              <a:t>– </a:t>
+            </a:r>
+            <a:r>
+              <a:rPr lang="en-US" altLang="zh-TW" sz="3200" dirty="0"/>
+              <a:t>O</a:t>
+            </a:r>
+            <a:r>
+              <a:rPr lang="en-US" altLang="zh-TW" sz="3200" dirty="0" smtClean="0"/>
+              <a:t>ther NVIDIA resources</a:t>
+            </a:r>
+            <a:endParaRPr lang="en-US" altLang="zh-TW" sz="3200" dirty="0"/>
+          </a:p>
+        </p:txBody>
+      </p:sp>
+      <p:sp>
+        <p:nvSpPr>
+          <p:cNvPr id="3" name="內容版面配置區 2"/>
+          <p:cNvSpPr>
+            <a:spLocks noGrp="1"/>
+          </p:cNvSpPr>
+          <p:nvPr>
+            <p:ph idx="1"/>
+          </p:nvPr>
+        </p:nvSpPr>
+        <p:spPr/>
+        <p:txBody>
+          <a:bodyPr/>
+          <a:lstStyle/>
+          <a:p>
+            <a:r>
+              <a:rPr lang="en-US" altLang="zh-TW" dirty="0" smtClean="0"/>
+              <a:t>News and blogs </a:t>
+            </a:r>
+          </a:p>
+          <a:p>
+            <a:pPr lvl="1"/>
+            <a:r>
+              <a:rPr lang="en-US" altLang="zh-TW" dirty="0">
+                <a:hlinkClick r:id="rId3"/>
+              </a:rPr>
+              <a:t>https://devblogs.nvidia.com</a:t>
+            </a:r>
+            <a:r>
+              <a:rPr lang="en-US" altLang="zh-TW" dirty="0" smtClean="0">
+                <a:hlinkClick r:id="rId3"/>
+              </a:rPr>
+              <a:t>/</a:t>
+            </a:r>
+            <a:endParaRPr lang="en-US" altLang="zh-TW" dirty="0" smtClean="0"/>
+          </a:p>
+          <a:p>
+            <a:pPr lvl="1"/>
+            <a:r>
+              <a:rPr lang="en-US" altLang="zh-TW" dirty="0">
+                <a:hlinkClick r:id="rId4"/>
+              </a:rPr>
+              <a:t>https://blogs.nvidia.com</a:t>
+            </a:r>
+            <a:r>
+              <a:rPr lang="en-US" altLang="zh-TW" dirty="0" smtClean="0">
+                <a:hlinkClick r:id="rId4"/>
+              </a:rPr>
+              <a:t>/</a:t>
+            </a:r>
+            <a:endParaRPr lang="en-US" altLang="zh-TW" dirty="0" smtClean="0"/>
+          </a:p>
+          <a:p>
+            <a:pPr lvl="1"/>
+            <a:r>
+              <a:rPr lang="en-US" altLang="zh-TW" dirty="0">
+                <a:hlinkClick r:id="rId5"/>
+              </a:rPr>
+              <a:t>https://news.developer.nvidia.com</a:t>
+            </a:r>
+            <a:r>
+              <a:rPr lang="en-US" altLang="zh-TW" dirty="0" smtClean="0">
+                <a:hlinkClick r:id="rId5"/>
+              </a:rPr>
+              <a:t>/</a:t>
+            </a:r>
+            <a:endParaRPr lang="en-US" altLang="zh-TW" dirty="0" smtClean="0"/>
+          </a:p>
+          <a:p>
+            <a:r>
+              <a:rPr lang="en-US" altLang="zh-TW" dirty="0" err="1" smtClean="0"/>
+              <a:t>SlideShare</a:t>
+            </a:r>
+            <a:endParaRPr lang="en-US" altLang="zh-TW" dirty="0" smtClean="0"/>
+          </a:p>
+          <a:p>
+            <a:pPr lvl="1"/>
+            <a:r>
+              <a:rPr lang="en-US" altLang="zh-TW" dirty="0">
+                <a:hlinkClick r:id="rId6"/>
+              </a:rPr>
+              <a:t>https://www.slideshare.net/NVIDIA</a:t>
+            </a:r>
+            <a:r>
+              <a:rPr lang="en-US" altLang="zh-TW" dirty="0" smtClean="0">
+                <a:hlinkClick r:id="rId6"/>
+              </a:rPr>
+              <a:t>/</a:t>
+            </a:r>
+            <a:endParaRPr lang="en-US" altLang="zh-TW" dirty="0" smtClean="0"/>
+          </a:p>
+          <a:p>
+            <a:r>
+              <a:rPr lang="en-US" altLang="zh-TW" dirty="0" smtClean="0"/>
+              <a:t>AI-podcast</a:t>
+            </a:r>
+          </a:p>
+          <a:p>
+            <a:pPr lvl="1"/>
+            <a:r>
+              <a:rPr lang="en-US" altLang="zh-TW" dirty="0">
+                <a:hlinkClick r:id="rId7"/>
+              </a:rPr>
+              <a:t>https://blogs.nvidia.com/ai-podcast</a:t>
+            </a:r>
+            <a:r>
+              <a:rPr lang="en-US" altLang="zh-TW" dirty="0" smtClean="0">
+                <a:hlinkClick r:id="rId7"/>
+              </a:rPr>
+              <a:t>/</a:t>
+            </a:r>
+            <a:endParaRPr lang="en-US" altLang="zh-TW" dirty="0" smtClean="0"/>
+          </a:p>
+          <a:p>
+            <a:r>
+              <a:rPr lang="en-US" altLang="zh-TW" dirty="0" smtClean="0"/>
+              <a:t>YouTube channel</a:t>
+            </a:r>
+          </a:p>
+          <a:p>
+            <a:pPr lvl="1"/>
+            <a:r>
+              <a:rPr lang="en-US" altLang="zh-TW" dirty="0">
+                <a:hlinkClick r:id="rId8"/>
+              </a:rPr>
+              <a:t>https://</a:t>
+            </a:r>
+            <a:r>
+              <a:rPr lang="en-US" altLang="zh-TW" dirty="0" smtClean="0">
+                <a:hlinkClick r:id="rId8"/>
+              </a:rPr>
+              <a:t>www.youtube.com/channel/UC_ErhNjgkPOA9Kuahcj-iTA</a:t>
+            </a:r>
+            <a:r>
+              <a:rPr lang="en-US" altLang="zh-TW" dirty="0" smtClean="0"/>
+              <a:t/>
+            </a:r>
+            <a:br>
+              <a:rPr lang="en-US" altLang="zh-TW" dirty="0" smtClean="0"/>
+            </a:br>
+            <a:endParaRPr lang="en-US" dirty="0"/>
+          </a:p>
+        </p:txBody>
+      </p:sp>
+    </p:spTree>
+    <p:extLst>
+      <p:ext uri="{BB962C8B-B14F-4D97-AF65-F5344CB8AC3E}">
+        <p14:creationId xmlns:p14="http://schemas.microsoft.com/office/powerpoint/2010/main" val="3760236853"/>
       </p:ext>
     </p:extLst>
   </p:cSld>
@@ -15440,6 +18778,12 @@
 </file>
 
 <file path=customXml/item1.xml><?xml version="1.0" encoding="utf-8"?>
+<p:properties xmlns:p="http://schemas.microsoft.com/office/2006/metadata/properties" xmlns:xsi="http://www.w3.org/2001/XMLSchema-instance" xmlns:pc="http://schemas.microsoft.com/office/infopath/2007/PartnerControls">
+  <documentManagement/>
+</p:properties>
+</file>
+
+<file path=customXml/item2.xml><?xml version="1.0" encoding="utf-8"?>
 <ct:contentTypeSchema xmlns:ct="http://schemas.microsoft.com/office/2006/metadata/contentType" xmlns:ma="http://schemas.microsoft.com/office/2006/metadata/properties/metaAttributes" ct:_="" ma:_="" ma:contentTypeName="文件" ma:contentTypeID="0x010100F037D8E64D05EF45B1C6133473FB79CC" ma:contentTypeVersion="0" ma:contentTypeDescription="建立新的文件。" ma:contentTypeScope="" ma:versionID="3737a69f6bbb7b23b532164502f2bb14">
   <xsd:schema xmlns:xsd="http://www.w3.org/2001/XMLSchema" xmlns:xs="http://www.w3.org/2001/XMLSchema" xmlns:p="http://schemas.microsoft.com/office/2006/metadata/properties" targetNamespace="http://schemas.microsoft.com/office/2006/metadata/properties" ma:root="true" ma:fieldsID="0d6edddc00996549d4a35e321cdf2d97">
     <xsd:element name="properties">
@@ -15553,7 +18897,7 @@
 </ct:contentTypeSchema>
 </file>
 
-<file path=customXml/item2.xml><?xml version="1.0" encoding="utf-8"?>
+<file path=customXml/item3.xml><?xml version="1.0" encoding="utf-8"?>
 <?mso-contentType ?>
 <FormTemplates xmlns="http://schemas.microsoft.com/sharepoint/v3/contenttype/forms">
   <Display>DocumentLibraryForm</Display>
@@ -15562,13 +18906,16 @@
 </FormTemplates>
 </file>
 
-<file path=customXml/item3.xml><?xml version="1.0" encoding="utf-8"?>
-<p:properties xmlns:p="http://schemas.microsoft.com/office/2006/metadata/properties" xmlns:xsi="http://www.w3.org/2001/XMLSchema-instance" xmlns:pc="http://schemas.microsoft.com/office/infopath/2007/PartnerControls">
-  <documentManagement/>
-</p:properties>
+<file path=customXml/itemProps1.xml><?xml version="1.0" encoding="utf-8"?>
+<ds:datastoreItem xmlns:ds="http://schemas.openxmlformats.org/officeDocument/2006/customXml" ds:itemID="{2DF3AF39-FF4E-469F-A19E-A288D733F19D}">
+  <ds:schemaRefs>
+    <ds:schemaRef ds:uri="http://schemas.microsoft.com/office/2006/metadata/properties"/>
+    <ds:schemaRef ds:uri="http://schemas.microsoft.com/office/infopath/2007/PartnerControls"/>
+  </ds:schemaRefs>
+</ds:datastoreItem>
 </file>
 
-<file path=customXml/itemProps1.xml><?xml version="1.0" encoding="utf-8"?>
+<file path=customXml/itemProps2.xml><?xml version="1.0" encoding="utf-8"?>
 <ds:datastoreItem xmlns:ds="http://schemas.openxmlformats.org/officeDocument/2006/customXml" ds:itemID="{3E76F7F9-0A6C-47C0-83BC-6D3238B79F8F}">
   <ds:schemaRefs>
     <ds:schemaRef ds:uri="http://schemas.microsoft.com/office/2006/metadata/contentType"/>
@@ -15584,19 +18931,10 @@
 </ds:datastoreItem>
 </file>
 
-<file path=customXml/itemProps2.xml><?xml version="1.0" encoding="utf-8"?>
+<file path=customXml/itemProps3.xml><?xml version="1.0" encoding="utf-8"?>
 <ds:datastoreItem xmlns:ds="http://schemas.openxmlformats.org/officeDocument/2006/customXml" ds:itemID="{3CDC56F6-44C3-4CB7-AFED-CD53B823637C}">
   <ds:schemaRefs>
     <ds:schemaRef ds:uri="http://schemas.microsoft.com/sharepoint/v3/contenttype/forms"/>
   </ds:schemaRefs>
 </ds:datastoreItem>
-</file>
-
-<file path=customXml/itemProps3.xml><?xml version="1.0" encoding="utf-8"?>
-<ds:datastoreItem xmlns:ds="http://schemas.openxmlformats.org/officeDocument/2006/customXml" ds:itemID="{2DF3AF39-FF4E-469F-A19E-A288D733F19D}">
-  <ds:schemaRefs>
-    <ds:schemaRef ds:uri="http://schemas.microsoft.com/office/2006/metadata/properties"/>
-    <ds:schemaRef ds:uri="http://schemas.microsoft.com/office/infopath/2007/PartnerControls"/>
-  </ds:schemaRefs>
-</ds:datastoreItem>
 </file>
--- a/Homework/han_shih_report20181003.pptx
+++ b/Homework/han_shih_report20181003.pptx
@@ -249,7 +249,7 @@
             <a:fld id="{CC19B022-336B-4171-BCC1-46A9DAFEE313}" type="datetimeFigureOut">
               <a:rPr lang="zh-TW" altLang="en-US" smtClean="0"/>
               <a:pPr/>
-              <a:t>2018/11/2</a:t>
+              <a:t>2018/11/5</a:t>
             </a:fld>
             <a:endParaRPr lang="zh-TW" altLang="en-US"/>
           </a:p>
@@ -416,7 +416,7 @@
             <a:fld id="{C7F16BF7-8C1B-45D9-BDA1-795AE0EDBB7B}" type="datetimeFigureOut">
               <a:rPr lang="zh-TW" altLang="en-US" smtClean="0"/>
               <a:pPr/>
-              <a:t>2018/11/2</a:t>
+              <a:t>2018/11/5</a:t>
             </a:fld>
             <a:endParaRPr lang="zh-TW" altLang="en-US"/>
           </a:p>
@@ -13253,7 +13253,7 @@
           <p:nvPr>
             <p:extLst>
               <p:ext uri="{D42A27DB-BD31-4B8C-83A1-F6EECF244321}">
-                <p14:modId xmlns:p14="http://schemas.microsoft.com/office/powerpoint/2010/main" val="2580855429"/>
+                <p14:modId xmlns:p14="http://schemas.microsoft.com/office/powerpoint/2010/main" val="3421860169"/>
               </p:ext>
             </p:extLst>
           </p:nvPr>
@@ -13428,7 +13428,7 @@
                         <a:buNone/>
                       </a:pPr>
                       <a:r>
-                        <a:rPr lang="en-US" sz="1800"/>
+                        <a:rPr lang="en-US" sz="1800" dirty="0"/>
                         <a:t>36,936</a:t>
                       </a:r>
                     </a:p>
@@ -14061,7 +14061,31 @@
                           <a:ea typeface="+mn-ea"/>
                           <a:cs typeface="+mn-cs"/>
                         </a:rPr>
-                        <a:t>6,772</a:t>
+                        <a:t>6,</a:t>
+                      </a:r>
+                      <a:r>
+                        <a:rPr lang="zh-TW" altLang="zh-TW" sz="1800" kern="1200" dirty="0" smtClean="0">
+                          <a:solidFill>
+                            <a:schemeClr val="dk1"/>
+                          </a:solidFill>
+                          <a:effectLst/>
+                          <a:latin typeface="+mn-lt"/>
+                          <a:ea typeface="+mn-ea"/>
+                          <a:cs typeface="+mn-cs"/>
+                        </a:rPr>
+                        <a:t>772</a:t>
+                      </a:r>
+                      <a:r>
+                        <a:rPr lang="en-US" altLang="zh-TW" sz="1800" kern="1200" dirty="0" smtClean="0">
+                          <a:solidFill>
+                            <a:schemeClr val="dk1"/>
+                          </a:solidFill>
+                          <a:effectLst/>
+                          <a:latin typeface="+mn-lt"/>
+                          <a:ea typeface="+mn-ea"/>
+                          <a:cs typeface="+mn-cs"/>
+                        </a:rPr>
+                        <a:t> </a:t>
                       </a:r>
                       <a:endParaRPr lang="en-US" sz="1800" dirty="0"/>
                     </a:p>
@@ -14412,7 +14436,7 @@
                       </a:pPr>
                       <a:r>
                         <a:rPr lang="en-US" sz="1800" dirty="0" smtClean="0"/>
-                        <a:t>14776~20010/month</a:t>
+                        <a:t>20~27/hour</a:t>
                       </a:r>
                       <a:endParaRPr lang="en-US" sz="1800" dirty="0"/>
                     </a:p>
@@ -18778,12 +18802,6 @@
 </file>
 
 <file path=customXml/item1.xml><?xml version="1.0" encoding="utf-8"?>
-<p:properties xmlns:p="http://schemas.microsoft.com/office/2006/metadata/properties" xmlns:xsi="http://www.w3.org/2001/XMLSchema-instance" xmlns:pc="http://schemas.microsoft.com/office/infopath/2007/PartnerControls">
-  <documentManagement/>
-</p:properties>
-</file>
-
-<file path=customXml/item2.xml><?xml version="1.0" encoding="utf-8"?>
 <ct:contentTypeSchema xmlns:ct="http://schemas.microsoft.com/office/2006/metadata/contentType" xmlns:ma="http://schemas.microsoft.com/office/2006/metadata/properties/metaAttributes" ct:_="" ma:_="" ma:contentTypeName="文件" ma:contentTypeID="0x010100F037D8E64D05EF45B1C6133473FB79CC" ma:contentTypeVersion="0" ma:contentTypeDescription="建立新的文件。" ma:contentTypeScope="" ma:versionID="3737a69f6bbb7b23b532164502f2bb14">
   <xsd:schema xmlns:xsd="http://www.w3.org/2001/XMLSchema" xmlns:xs="http://www.w3.org/2001/XMLSchema" xmlns:p="http://schemas.microsoft.com/office/2006/metadata/properties" targetNamespace="http://schemas.microsoft.com/office/2006/metadata/properties" ma:root="true" ma:fieldsID="0d6edddc00996549d4a35e321cdf2d97">
     <xsd:element name="properties">
@@ -18897,6 +18915,12 @@
 </ct:contentTypeSchema>
 </file>
 
+<file path=customXml/item2.xml><?xml version="1.0" encoding="utf-8"?>
+<p:properties xmlns:p="http://schemas.microsoft.com/office/2006/metadata/properties" xmlns:xsi="http://www.w3.org/2001/XMLSchema-instance" xmlns:pc="http://schemas.microsoft.com/office/infopath/2007/PartnerControls">
+  <documentManagement/>
+</p:properties>
+</file>
+
 <file path=customXml/item3.xml><?xml version="1.0" encoding="utf-8"?>
 <?mso-contentType ?>
 <FormTemplates xmlns="http://schemas.microsoft.com/sharepoint/v3/contenttype/forms">
@@ -18907,15 +18931,6 @@
 </file>
 
 <file path=customXml/itemProps1.xml><?xml version="1.0" encoding="utf-8"?>
-<ds:datastoreItem xmlns:ds="http://schemas.openxmlformats.org/officeDocument/2006/customXml" ds:itemID="{2DF3AF39-FF4E-469F-A19E-A288D733F19D}">
-  <ds:schemaRefs>
-    <ds:schemaRef ds:uri="http://schemas.microsoft.com/office/2006/metadata/properties"/>
-    <ds:schemaRef ds:uri="http://schemas.microsoft.com/office/infopath/2007/PartnerControls"/>
-  </ds:schemaRefs>
-</ds:datastoreItem>
-</file>
-
-<file path=customXml/itemProps2.xml><?xml version="1.0" encoding="utf-8"?>
 <ds:datastoreItem xmlns:ds="http://schemas.openxmlformats.org/officeDocument/2006/customXml" ds:itemID="{3E76F7F9-0A6C-47C0-83BC-6D3238B79F8F}">
   <ds:schemaRefs>
     <ds:schemaRef ds:uri="http://schemas.microsoft.com/office/2006/metadata/contentType"/>
@@ -18931,6 +18946,15 @@
 </ds:datastoreItem>
 </file>
 
+<file path=customXml/itemProps2.xml><?xml version="1.0" encoding="utf-8"?>
+<ds:datastoreItem xmlns:ds="http://schemas.openxmlformats.org/officeDocument/2006/customXml" ds:itemID="{2DF3AF39-FF4E-469F-A19E-A288D733F19D}">
+  <ds:schemaRefs>
+    <ds:schemaRef ds:uri="http://schemas.microsoft.com/office/2006/metadata/properties"/>
+    <ds:schemaRef ds:uri="http://schemas.microsoft.com/office/infopath/2007/PartnerControls"/>
+  </ds:schemaRefs>
+</ds:datastoreItem>
+</file>
+
 <file path=customXml/itemProps3.xml><?xml version="1.0" encoding="utf-8"?>
 <ds:datastoreItem xmlns:ds="http://schemas.openxmlformats.org/officeDocument/2006/customXml" ds:itemID="{3CDC56F6-44C3-4CB7-AFED-CD53B823637C}">
   <ds:schemaRefs>
